--- a/Documentazione/Presentazione/Slide_MicheleTosi_chord.pptx
+++ b/Documentazione/Presentazione/Slide_MicheleTosi_chord.pptx
@@ -223,12 +223,41 @@
 </p:presentation>
 </file>
 
-<file path=ppt/revisionInfo.xml><?xml version="1.0" encoding="utf-8"?>
-<p1510:revInfo xmlns:a="http://schemas.openxmlformats.org/drawingml/2006/main" xmlns:r="http://schemas.openxmlformats.org/officeDocument/2006/relationships" xmlns:p1510="http://schemas.microsoft.com/office/powerpoint/2015/10/main">
-  <p1510:revLst>
-    <p1510:client id="{E445984E-1569-4365-87C5-DE9FC9226FD6}" v="660" dt="2023-10-04T11:57:25.061"/>
-  </p1510:revLst>
-</p1510:revInfo>
+<file path=ppt/changesInfos/changesInfo1.xml><?xml version="1.0" encoding="utf-8"?>
+<pc:chgInfo xmlns:a="http://schemas.openxmlformats.org/drawingml/2006/main" xmlns:r="http://schemas.openxmlformats.org/officeDocument/2006/relationships" xmlns:ac="http://schemas.microsoft.com/office/drawing/2013/main/command" xmlns:pc="http://schemas.microsoft.com/office/powerpoint/2013/main/command">
+  <pc:docChgLst>
+    <pc:chgData name="michele tosi" userId="ca9cfff2-f6e5-4350-acb0-74e073d002cd" providerId="ADAL" clId="{4DD164D1-E452-4DF3-BC4A-9877495181B9}"/>
+    <pc:docChg chg="custSel modSld">
+      <pc:chgData name="michele tosi" userId="ca9cfff2-f6e5-4350-acb0-74e073d002cd" providerId="ADAL" clId="{4DD164D1-E452-4DF3-BC4A-9877495181B9}" dt="2023-10-09T14:40:33.698" v="7" actId="313"/>
+      <pc:docMkLst>
+        <pc:docMk/>
+      </pc:docMkLst>
+      <pc:sldChg chg="modSp mod">
+        <pc:chgData name="michele tosi" userId="ca9cfff2-f6e5-4350-acb0-74e073d002cd" providerId="ADAL" clId="{4DD164D1-E452-4DF3-BC4A-9877495181B9}" dt="2023-10-09T14:40:33.698" v="7" actId="313"/>
+        <pc:sldMkLst>
+          <pc:docMk/>
+          <pc:sldMk cId="1485078367" sldId="281"/>
+        </pc:sldMkLst>
+        <pc:spChg chg="mod">
+          <ac:chgData name="michele tosi" userId="ca9cfff2-f6e5-4350-acb0-74e073d002cd" providerId="ADAL" clId="{4DD164D1-E452-4DF3-BC4A-9877495181B9}" dt="2023-10-09T14:40:27.028" v="3" actId="313"/>
+          <ac:spMkLst>
+            <pc:docMk/>
+            <pc:sldMk cId="1485078367" sldId="281"/>
+            <ac:spMk id="13" creationId="{90E6D382-4BFC-FB33-8297-4A4A06B1D7C8}"/>
+          </ac:spMkLst>
+        </pc:spChg>
+        <pc:spChg chg="mod">
+          <ac:chgData name="michele tosi" userId="ca9cfff2-f6e5-4350-acb0-74e073d002cd" providerId="ADAL" clId="{4DD164D1-E452-4DF3-BC4A-9877495181B9}" dt="2023-10-09T14:40:33.698" v="7" actId="313"/>
+          <ac:spMkLst>
+            <pc:docMk/>
+            <pc:sldMk cId="1485078367" sldId="281"/>
+            <ac:spMk id="22" creationId="{147D9E01-A9EB-68A4-9FC1-F05D6028124D}"/>
+          </ac:spMkLst>
+        </pc:spChg>
+      </pc:sldChg>
+    </pc:docChg>
+  </pc:docChgLst>
+</pc:chgInfo>
 </file>
 
 <file path=ppt/handoutMasters/handoutMaster1.xml><?xml version="1.0" encoding="utf-8"?>
@@ -24544,7 +24573,7 @@
                 <a:ea typeface="+mj-ea"/>
                 <a:cs typeface="Arial" pitchFamily="34" charset="0"/>
               </a:rPr>
-              <a:t>Cosa è </a:t>
+              <a:t>Cos’è </a:t>
             </a:r>
             <a:r>
               <a:rPr lang="it-IT" sz="900" dirty="0" err="1">
@@ -24653,13 +24682,18 @@
               </a:defRPr>
             </a:pPr>
             <a:r>
-              <a:rPr lang="it-IT" sz="900" dirty="0">
+              <a:rPr lang="it-IT" sz="900">
                 <a:latin typeface="Arial" pitchFamily="34" charset="0"/>
                 <a:ea typeface="+mj-ea"/>
                 <a:cs typeface="Arial" pitchFamily="34" charset="0"/>
               </a:rPr>
-              <a:t>Cosa è</a:t>
+              <a:t>Cos’è</a:t>
             </a:r>
+            <a:endParaRPr lang="it-IT" sz="900" dirty="0">
+              <a:latin typeface="Arial" pitchFamily="34" charset="0"/>
+              <a:ea typeface="+mj-ea"/>
+              <a:cs typeface="Arial" pitchFamily="34" charset="0"/>
+            </a:endParaRPr>
           </a:p>
           <a:p>
             <a:pPr marL="0" lvl="1" algn="ctr">

--- a/Documentazione/Presentazione/Slide_MicheleTosi_chord.pptx
+++ b/Documentazione/Presentazione/Slide_MicheleTosi_chord.pptx
@@ -227,8 +227,8 @@
 <pc:chgInfo xmlns:a="http://schemas.openxmlformats.org/drawingml/2006/main" xmlns:r="http://schemas.openxmlformats.org/officeDocument/2006/relationships" xmlns:ac="http://schemas.microsoft.com/office/drawing/2013/main/command" xmlns:pc="http://schemas.microsoft.com/office/powerpoint/2013/main/command">
   <pc:docChgLst>
     <pc:chgData name="michele tosi" userId="ca9cfff2-f6e5-4350-acb0-74e073d002cd" providerId="ADAL" clId="{4DD164D1-E452-4DF3-BC4A-9877495181B9}"/>
-    <pc:docChg chg="custSel modSld">
-      <pc:chgData name="michele tosi" userId="ca9cfff2-f6e5-4350-acb0-74e073d002cd" providerId="ADAL" clId="{4DD164D1-E452-4DF3-BC4A-9877495181B9}" dt="2023-10-09T14:40:33.698" v="7" actId="313"/>
+    <pc:docChg chg="custSel modSld modMainMaster">
+      <pc:chgData name="michele tosi" userId="ca9cfff2-f6e5-4350-acb0-74e073d002cd" providerId="ADAL" clId="{4DD164D1-E452-4DF3-BC4A-9877495181B9}" dt="2023-10-09T14:51:36.330" v="9" actId="20577"/>
       <pc:docMkLst>
         <pc:docMk/>
       </pc:docMkLst>
@@ -255,6 +255,30 @@
           </ac:spMkLst>
         </pc:spChg>
       </pc:sldChg>
+      <pc:sldMasterChg chg="modSldLayout">
+        <pc:chgData name="michele tosi" userId="ca9cfff2-f6e5-4350-acb0-74e073d002cd" providerId="ADAL" clId="{4DD164D1-E452-4DF3-BC4A-9877495181B9}" dt="2023-10-09T14:51:36.330" v="9" actId="20577"/>
+        <pc:sldMasterMkLst>
+          <pc:docMk/>
+          <pc:sldMasterMk cId="0" sldId="2147483648"/>
+        </pc:sldMasterMkLst>
+        <pc:sldLayoutChg chg="modSp mod">
+          <pc:chgData name="michele tosi" userId="ca9cfff2-f6e5-4350-acb0-74e073d002cd" providerId="ADAL" clId="{4DD164D1-E452-4DF3-BC4A-9877495181B9}" dt="2023-10-09T14:51:36.330" v="9" actId="20577"/>
+          <pc:sldLayoutMkLst>
+            <pc:docMk/>
+            <pc:sldMasterMk cId="0" sldId="2147483648"/>
+            <pc:sldLayoutMk cId="0" sldId="2147483662"/>
+          </pc:sldLayoutMkLst>
+          <pc:spChg chg="mod">
+            <ac:chgData name="michele tosi" userId="ca9cfff2-f6e5-4350-acb0-74e073d002cd" providerId="ADAL" clId="{4DD164D1-E452-4DF3-BC4A-9877495181B9}" dt="2023-10-09T14:51:36.330" v="9" actId="20577"/>
+            <ac:spMkLst>
+              <pc:docMk/>
+              <pc:sldMasterMk cId="0" sldId="2147483648"/>
+              <pc:sldLayoutMk cId="0" sldId="2147483662"/>
+              <ac:spMk id="16" creationId="{48752A8E-2364-33BB-4DBE-D91A42328098}"/>
+            </ac:spMkLst>
+          </pc:spChg>
+        </pc:sldLayoutChg>
+      </pc:sldMasterChg>
     </pc:docChg>
   </pc:docChgLst>
 </pc:chgInfo>
@@ -3971,7 +3995,7 @@
               <a:rPr lang="it-IT" sz="1100" dirty="0">
                 <a:uFillTx/>
               </a:rPr>
-              <a:t>/13</a:t>
+              <a:t>/14</a:t>
             </a:r>
           </a:p>
         </p:txBody>

--- a/Documentazione/Presentazione/Slide_MicheleTosi_chord.pptx
+++ b/Documentazione/Presentazione/Slide_MicheleTosi_chord.pptx
@@ -223,12 +223,20 @@
 </p:presentation>
 </file>
 
+<file path=ppt/revisionInfo.xml><?xml version="1.0" encoding="utf-8"?>
+<p1510:revInfo xmlns:a="http://schemas.openxmlformats.org/drawingml/2006/main" xmlns:r="http://schemas.openxmlformats.org/officeDocument/2006/relationships" xmlns:p1510="http://schemas.microsoft.com/office/powerpoint/2015/10/main">
+  <p1510:revLst>
+    <p1510:client id="{4DD164D1-E452-4DF3-BC4A-9877495181B9}" v="28" dt="2023-10-09T15:02:34.912"/>
+  </p1510:revLst>
+</p1510:revInfo>
+</file>
+
 <file path=ppt/changesInfos/changesInfo1.xml><?xml version="1.0" encoding="utf-8"?>
 <pc:chgInfo xmlns:a="http://schemas.openxmlformats.org/drawingml/2006/main" xmlns:r="http://schemas.openxmlformats.org/officeDocument/2006/relationships" xmlns:ac="http://schemas.microsoft.com/office/drawing/2013/main/command" xmlns:pc="http://schemas.microsoft.com/office/powerpoint/2013/main/command">
   <pc:docChgLst>
     <pc:chgData name="michele tosi" userId="ca9cfff2-f6e5-4350-acb0-74e073d002cd" providerId="ADAL" clId="{4DD164D1-E452-4DF3-BC4A-9877495181B9}"/>
     <pc:docChg chg="custSel modSld modMainMaster">
-      <pc:chgData name="michele tosi" userId="ca9cfff2-f6e5-4350-acb0-74e073d002cd" providerId="ADAL" clId="{4DD164D1-E452-4DF3-BC4A-9877495181B9}" dt="2023-10-09T14:51:36.330" v="9" actId="20577"/>
+      <pc:chgData name="michele tosi" userId="ca9cfff2-f6e5-4350-acb0-74e073d002cd" providerId="ADAL" clId="{4DD164D1-E452-4DF3-BC4A-9877495181B9}" dt="2023-10-09T15:02:34.912" v="98"/>
       <pc:docMkLst>
         <pc:docMk/>
       </pc:docMkLst>
@@ -252,6 +260,76 @@
             <pc:docMk/>
             <pc:sldMk cId="1485078367" sldId="281"/>
             <ac:spMk id="22" creationId="{147D9E01-A9EB-68A4-9FC1-F05D6028124D}"/>
+          </ac:spMkLst>
+        </pc:spChg>
+      </pc:sldChg>
+      <pc:sldChg chg="addSp modSp mod modAnim">
+        <pc:chgData name="michele tosi" userId="ca9cfff2-f6e5-4350-acb0-74e073d002cd" providerId="ADAL" clId="{4DD164D1-E452-4DF3-BC4A-9877495181B9}" dt="2023-10-09T15:00:28.214" v="86"/>
+        <pc:sldMkLst>
+          <pc:docMk/>
+          <pc:sldMk cId="1658472143" sldId="304"/>
+        </pc:sldMkLst>
+        <pc:spChg chg="add mod">
+          <ac:chgData name="michele tosi" userId="ca9cfff2-f6e5-4350-acb0-74e073d002cd" providerId="ADAL" clId="{4DD164D1-E452-4DF3-BC4A-9877495181B9}" dt="2023-10-09T14:56:16.607" v="44" actId="1076"/>
+          <ac:spMkLst>
+            <pc:docMk/>
+            <pc:sldMk cId="1658472143" sldId="304"/>
+            <ac:spMk id="25" creationId="{35506462-D50E-2902-AC6F-498F8CA5D114}"/>
+          </ac:spMkLst>
+        </pc:spChg>
+        <pc:spChg chg="add mod">
+          <ac:chgData name="michele tosi" userId="ca9cfff2-f6e5-4350-acb0-74e073d002cd" providerId="ADAL" clId="{4DD164D1-E452-4DF3-BC4A-9877495181B9}" dt="2023-10-09T14:59:32.716" v="73" actId="255"/>
+          <ac:spMkLst>
+            <pc:docMk/>
+            <pc:sldMk cId="1658472143" sldId="304"/>
+            <ac:spMk id="29" creationId="{33A458F0-F7C6-23C9-35BD-81E77AF24039}"/>
+          </ac:spMkLst>
+        </pc:spChg>
+        <pc:spChg chg="add mod">
+          <ac:chgData name="michele tosi" userId="ca9cfff2-f6e5-4350-acb0-74e073d002cd" providerId="ADAL" clId="{4DD164D1-E452-4DF3-BC4A-9877495181B9}" dt="2023-10-09T14:59:49.707" v="80" actId="20577"/>
+          <ac:spMkLst>
+            <pc:docMk/>
+            <pc:sldMk cId="1658472143" sldId="304"/>
+            <ac:spMk id="30" creationId="{52166D98-C51D-B55A-4842-77664821A5AB}"/>
+          </ac:spMkLst>
+        </pc:spChg>
+        <pc:picChg chg="add mod">
+          <ac:chgData name="michele tosi" userId="ca9cfff2-f6e5-4350-acb0-74e073d002cd" providerId="ADAL" clId="{4DD164D1-E452-4DF3-BC4A-9877495181B9}" dt="2023-10-09T14:55:30.702" v="11" actId="1076"/>
+          <ac:picMkLst>
+            <pc:docMk/>
+            <pc:sldMk cId="1658472143" sldId="304"/>
+            <ac:picMk id="5" creationId="{DF5158E4-1836-F3A5-D54E-C7C4E6857CD6}"/>
+          </ac:picMkLst>
+        </pc:picChg>
+        <pc:cxnChg chg="add">
+          <ac:chgData name="michele tosi" userId="ca9cfff2-f6e5-4350-acb0-74e073d002cd" providerId="ADAL" clId="{4DD164D1-E452-4DF3-BC4A-9877495181B9}" dt="2023-10-09T14:55:44.727" v="12" actId="11529"/>
+          <ac:cxnSpMkLst>
+            <pc:docMk/>
+            <pc:sldMk cId="1658472143" sldId="304"/>
+            <ac:cxnSpMk id="22" creationId="{1438A23F-3331-64B1-0123-371DE250C8B4}"/>
+          </ac:cxnSpMkLst>
+        </pc:cxnChg>
+      </pc:sldChg>
+      <pc:sldChg chg="addSp modSp mod modAnim">
+        <pc:chgData name="michele tosi" userId="ca9cfff2-f6e5-4350-acb0-74e073d002cd" providerId="ADAL" clId="{4DD164D1-E452-4DF3-BC4A-9877495181B9}" dt="2023-10-09T15:02:34.912" v="98"/>
+        <pc:sldMkLst>
+          <pc:docMk/>
+          <pc:sldMk cId="1840760435" sldId="308"/>
+        </pc:sldMkLst>
+        <pc:spChg chg="add mod">
+          <ac:chgData name="michele tosi" userId="ca9cfff2-f6e5-4350-acb0-74e073d002cd" providerId="ADAL" clId="{4DD164D1-E452-4DF3-BC4A-9877495181B9}" dt="2023-10-09T15:01:17.835" v="91" actId="20577"/>
+          <ac:spMkLst>
+            <pc:docMk/>
+            <pc:sldMk cId="1840760435" sldId="308"/>
+            <ac:spMk id="3" creationId="{5D56F114-B594-848C-F327-F8A73261614B}"/>
+          </ac:spMkLst>
+        </pc:spChg>
+        <pc:spChg chg="add mod">
+          <ac:chgData name="michele tosi" userId="ca9cfff2-f6e5-4350-acb0-74e073d002cd" providerId="ADAL" clId="{4DD164D1-E452-4DF3-BC4A-9877495181B9}" dt="2023-10-09T15:01:27.661" v="94" actId="20577"/>
+          <ac:spMkLst>
+            <pc:docMk/>
+            <pc:sldMk cId="1840760435" sldId="308"/>
+            <ac:spMk id="11" creationId="{C64D6AAF-74C0-6374-8649-90B6FF8F4D7F}"/>
           </ac:spMkLst>
         </pc:spChg>
       </pc:sldChg>
@@ -33765,6 +33843,78 @@
           </a:p>
         </p:txBody>
       </p:sp>
+      <p:sp>
+        <p:nvSpPr>
+          <p:cNvPr id="3" name="CasellaDiTesto 2">
+            <a:extLst>
+              <a:ext uri="{FF2B5EF4-FFF2-40B4-BE49-F238E27FC236}">
+                <a16:creationId xmlns:a16="http://schemas.microsoft.com/office/drawing/2014/main" id="{5D56F114-B594-848C-F327-F8A73261614B}"/>
+              </a:ext>
+            </a:extLst>
+          </p:cNvPr>
+          <p:cNvSpPr txBox="1"/>
+          <p:nvPr/>
+        </p:nvSpPr>
+        <p:spPr>
+          <a:xfrm>
+            <a:off x="941360" y="2764049"/>
+            <a:ext cx="936104" cy="183259"/>
+          </a:xfrm>
+          <a:prstGeom prst="rect">
+            <a:avLst/>
+          </a:prstGeom>
+        </p:spPr>
+        <p:txBody>
+          <a:bodyPr vert="horz" wrap="square" lIns="91440" tIns="45720" rIns="91440" bIns="45720" rtlCol="0" anchor="ctr">
+            <a:noAutofit/>
+          </a:bodyPr>
+          <a:lstStyle/>
+          <a:p>
+            <a:r>
+              <a:rPr lang="it-IT" sz="900" dirty="0">
+                <a:uFillTx/>
+              </a:rPr>
+              <a:t>Nodi 0, 1, 3</a:t>
+            </a:r>
+          </a:p>
+        </p:txBody>
+      </p:sp>
+      <p:sp>
+        <p:nvSpPr>
+          <p:cNvPr id="11" name="CasellaDiTesto 10">
+            <a:extLst>
+              <a:ext uri="{FF2B5EF4-FFF2-40B4-BE49-F238E27FC236}">
+                <a16:creationId xmlns:a16="http://schemas.microsoft.com/office/drawing/2014/main" id="{C64D6AAF-74C0-6374-8649-90B6FF8F4D7F}"/>
+              </a:ext>
+            </a:extLst>
+          </p:cNvPr>
+          <p:cNvSpPr txBox="1"/>
+          <p:nvPr/>
+        </p:nvSpPr>
+        <p:spPr>
+          <a:xfrm>
+            <a:off x="940917" y="2926930"/>
+            <a:ext cx="936104" cy="183259"/>
+          </a:xfrm>
+          <a:prstGeom prst="rect">
+            <a:avLst/>
+          </a:prstGeom>
+        </p:spPr>
+        <p:txBody>
+          <a:bodyPr vert="horz" wrap="square" lIns="91440" tIns="45720" rIns="91440" bIns="45720" rtlCol="0" anchor="ctr">
+            <a:noAutofit/>
+          </a:bodyPr>
+          <a:lstStyle/>
+          <a:p>
+            <a:r>
+              <a:rPr lang="it-IT" sz="900" dirty="0">
+                <a:uFillTx/>
+              </a:rPr>
+              <a:t>Nodi 0, 1, 3, 6</a:t>
+            </a:r>
+          </a:p>
+        </p:txBody>
+      </p:sp>
     </p:spTree>
     <p:extLst>
       <p:ext uri="{BB962C8B-B14F-4D97-AF65-F5344CB8AC3E}">
@@ -34236,6 +34386,122 @@
                                   </p:childTnLst>
                                 </p:cTn>
                               </p:par>
+                              <p:par>
+                                <p:cTn id="34" presetID="10" presetClass="exit" presetSubtype="0" fill="hold" grpId="0" nodeType="withEffect">
+                                  <p:stCondLst>
+                                    <p:cond delay="0"/>
+                                  </p:stCondLst>
+                                  <p:childTnLst>
+                                    <p:animEffect transition="out" filter="fade">
+                                      <p:cBhvr>
+                                        <p:cTn id="35" dur="500"/>
+                                        <p:tgtEl>
+                                          <p:spTgt spid="3"/>
+                                        </p:tgtEl>
+                                      </p:cBhvr>
+                                    </p:animEffect>
+                                    <p:set>
+                                      <p:cBhvr>
+                                        <p:cTn id="36" dur="1" fill="hold">
+                                          <p:stCondLst>
+                                            <p:cond delay="499"/>
+                                          </p:stCondLst>
+                                        </p:cTn>
+                                        <p:tgtEl>
+                                          <p:spTgt spid="3"/>
+                                        </p:tgtEl>
+                                        <p:attrNameLst>
+                                          <p:attrName>style.visibility</p:attrName>
+                                        </p:attrNameLst>
+                                      </p:cBhvr>
+                                      <p:to>
+                                        <p:strVal val="hidden"/>
+                                      </p:to>
+                                    </p:set>
+                                  </p:childTnLst>
+                                </p:cTn>
+                              </p:par>
+                              <p:par>
+                                <p:cTn id="37" presetID="42" presetClass="entr" presetSubtype="0" fill="hold" grpId="0" nodeType="withEffect">
+                                  <p:stCondLst>
+                                    <p:cond delay="0"/>
+                                  </p:stCondLst>
+                                  <p:childTnLst>
+                                    <p:set>
+                                      <p:cBhvr>
+                                        <p:cTn id="38" dur="1" fill="hold">
+                                          <p:stCondLst>
+                                            <p:cond delay="0"/>
+                                          </p:stCondLst>
+                                        </p:cTn>
+                                        <p:tgtEl>
+                                          <p:spTgt spid="11"/>
+                                        </p:tgtEl>
+                                        <p:attrNameLst>
+                                          <p:attrName>style.visibility</p:attrName>
+                                        </p:attrNameLst>
+                                      </p:cBhvr>
+                                      <p:to>
+                                        <p:strVal val="visible"/>
+                                      </p:to>
+                                    </p:set>
+                                    <p:animEffect transition="in" filter="fade">
+                                      <p:cBhvr>
+                                        <p:cTn id="39" dur="1000"/>
+                                        <p:tgtEl>
+                                          <p:spTgt spid="11"/>
+                                        </p:tgtEl>
+                                      </p:cBhvr>
+                                    </p:animEffect>
+                                    <p:anim calcmode="lin" valueType="num">
+                                      <p:cBhvr>
+                                        <p:cTn id="40" dur="1000" fill="hold"/>
+                                        <p:tgtEl>
+                                          <p:spTgt spid="11"/>
+                                        </p:tgtEl>
+                                        <p:attrNameLst>
+                                          <p:attrName>ppt_x</p:attrName>
+                                        </p:attrNameLst>
+                                      </p:cBhvr>
+                                      <p:tavLst>
+                                        <p:tav tm="0">
+                                          <p:val>
+                                            <p:strVal val="#ppt_x"/>
+                                          </p:val>
+                                        </p:tav>
+                                        <p:tav tm="100000">
+                                          <p:val>
+                                            <p:strVal val="#ppt_x"/>
+                                          </p:val>
+                                        </p:tav>
+                                      </p:tavLst>
+                                    </p:anim>
+                                    <p:anim calcmode="lin" valueType="num">
+                                      <p:cBhvr>
+                                        <p:cTn id="41" dur="1000" fill="hold"/>
+                                        <p:tgtEl>
+                                          <p:spTgt spid="11"/>
+                                        </p:tgtEl>
+                                        <p:attrNameLst>
+                                          <p:attrName>ppt_y</p:attrName>
+                                        </p:attrNameLst>
+                                      </p:cBhvr>
+                                      <p:tavLst>
+                                        <p:tav tm="0">
+                                          <p:val>
+                                            <p:strVal val="#ppt_y+.1"/>
+                                          </p:val>
+                                        </p:tav>
+                                        <p:tav tm="100000">
+                                          <p:val>
+                                            <p:strVal val="#ppt_y"/>
+                                          </p:val>
+                                        </p:tav>
+                                      </p:tavLst>
+                                    </p:anim>
+                                  </p:childTnLst>
+                                </p:cTn>
+                              </p:par>
                             </p:childTnLst>
                           </p:cTn>
                         </p:par>
@@ -34243,26 +34509,26 @@
                     </p:cTn>
                   </p:par>
                   <p:par>
-                    <p:cTn id="34" fill="hold">
+                    <p:cTn id="42" fill="hold">
                       <p:stCondLst>
                         <p:cond delay="indefinite"/>
                       </p:stCondLst>
                       <p:childTnLst>
                         <p:par>
-                          <p:cTn id="35" fill="hold">
+                          <p:cTn id="43" fill="hold">
                             <p:stCondLst>
                               <p:cond delay="0"/>
                             </p:stCondLst>
                             <p:childTnLst>
                               <p:par>
-                                <p:cTn id="36" presetID="42" presetClass="entr" presetSubtype="0" fill="hold" grpId="0" nodeType="clickEffect">
+                                <p:cTn id="44" presetID="42" presetClass="entr" presetSubtype="0" fill="hold" grpId="0" nodeType="clickEffect">
                                   <p:stCondLst>
                                     <p:cond delay="0"/>
                                   </p:stCondLst>
                                   <p:childTnLst>
                                     <p:set>
                                       <p:cBhvr>
-                                        <p:cTn id="37" dur="1" fill="hold">
+                                        <p:cTn id="45" dur="1" fill="hold">
                                           <p:stCondLst>
                                             <p:cond delay="0"/>
                                           </p:stCondLst>
@@ -34280,7 +34546,7 @@
                                     </p:set>
                                     <p:animEffect transition="in" filter="fade">
                                       <p:cBhvr>
-                                        <p:cTn id="38" dur="1000"/>
+                                        <p:cTn id="46" dur="1000"/>
                                         <p:tgtEl>
                                           <p:spTgt spid="28"/>
                                         </p:tgtEl>
@@ -34288,7 +34554,7 @@
                                     </p:animEffect>
                                     <p:anim calcmode="lin" valueType="num">
                                       <p:cBhvr>
-                                        <p:cTn id="39" dur="1000" fill="hold"/>
+                                        <p:cTn id="47" dur="1000" fill="hold"/>
                                         <p:tgtEl>
                                           <p:spTgt spid="28"/>
                                         </p:tgtEl>
@@ -34311,7 +34577,7 @@
                                     </p:anim>
                                     <p:anim calcmode="lin" valueType="num">
                                       <p:cBhvr>
-                                        <p:cTn id="40" dur="1000" fill="hold"/>
+                                        <p:cTn id="48" dur="1000" fill="hold"/>
                                         <p:tgtEl>
                                           <p:spTgt spid="28"/>
                                         </p:tgtEl>
@@ -34336,14 +34602,14 @@
                                 </p:cTn>
                               </p:par>
                               <p:par>
-                                <p:cTn id="41" presetID="42" presetClass="entr" presetSubtype="0" fill="hold" nodeType="withEffect">
+                                <p:cTn id="49" presetID="42" presetClass="entr" presetSubtype="0" fill="hold" nodeType="withEffect">
                                   <p:stCondLst>
                                     <p:cond delay="0"/>
                                   </p:stCondLst>
                                   <p:childTnLst>
                                     <p:set>
                                       <p:cBhvr>
-                                        <p:cTn id="42" dur="1" fill="hold">
+                                        <p:cTn id="50" dur="1" fill="hold">
                                           <p:stCondLst>
                                             <p:cond delay="0"/>
                                           </p:stCondLst>
@@ -34361,7 +34627,7 @@
                                     </p:set>
                                     <p:animEffect transition="in" filter="fade">
                                       <p:cBhvr>
-                                        <p:cTn id="43" dur="1000"/>
+                                        <p:cTn id="51" dur="1000"/>
                                         <p:tgtEl>
                                           <p:spTgt spid="20"/>
                                         </p:tgtEl>
@@ -34369,7 +34635,7 @@
                                     </p:animEffect>
                                     <p:anim calcmode="lin" valueType="num">
                                       <p:cBhvr>
-                                        <p:cTn id="44" dur="1000" fill="hold"/>
+                                        <p:cTn id="52" dur="1000" fill="hold"/>
                                         <p:tgtEl>
                                           <p:spTgt spid="20"/>
                                         </p:tgtEl>
@@ -34392,7 +34658,7 @@
                                     </p:anim>
                                     <p:anim calcmode="lin" valueType="num">
                                       <p:cBhvr>
-                                        <p:cTn id="45" dur="1000" fill="hold"/>
+                                        <p:cTn id="53" dur="1000" fill="hold"/>
                                         <p:tgtEl>
                                           <p:spTgt spid="20"/>
                                         </p:tgtEl>
@@ -34423,26 +34689,26 @@
                     </p:cTn>
                   </p:par>
                   <p:par>
-                    <p:cTn id="46" fill="hold">
+                    <p:cTn id="54" fill="hold">
                       <p:stCondLst>
                         <p:cond delay="indefinite"/>
                       </p:stCondLst>
                       <p:childTnLst>
                         <p:par>
-                          <p:cTn id="47" fill="hold">
+                          <p:cTn id="55" fill="hold">
                             <p:stCondLst>
                               <p:cond delay="0"/>
                             </p:stCondLst>
                             <p:childTnLst>
                               <p:par>
-                                <p:cTn id="48" presetID="42" presetClass="entr" presetSubtype="0" fill="hold" nodeType="clickEffect">
+                                <p:cTn id="56" presetID="42" presetClass="entr" presetSubtype="0" fill="hold" nodeType="clickEffect">
                                   <p:stCondLst>
                                     <p:cond delay="0"/>
                                   </p:stCondLst>
                                   <p:childTnLst>
                                     <p:set>
                                       <p:cBhvr>
-                                        <p:cTn id="49" dur="1" fill="hold">
+                                        <p:cTn id="57" dur="1" fill="hold">
                                           <p:stCondLst>
                                             <p:cond delay="0"/>
                                           </p:stCondLst>
@@ -34460,7 +34726,7 @@
                                     </p:set>
                                     <p:animEffect transition="in" filter="fade">
                                       <p:cBhvr>
-                                        <p:cTn id="50" dur="1000"/>
+                                        <p:cTn id="58" dur="1000"/>
                                         <p:tgtEl>
                                           <p:spTgt spid="22"/>
                                         </p:tgtEl>
@@ -34468,7 +34734,7 @@
                                     </p:animEffect>
                                     <p:anim calcmode="lin" valueType="num">
                                       <p:cBhvr>
-                                        <p:cTn id="51" dur="1000" fill="hold"/>
+                                        <p:cTn id="59" dur="1000" fill="hold"/>
                                         <p:tgtEl>
                                           <p:spTgt spid="22"/>
                                         </p:tgtEl>
@@ -34491,7 +34757,7 @@
                                     </p:anim>
                                     <p:anim calcmode="lin" valueType="num">
                                       <p:cBhvr>
-                                        <p:cTn id="52" dur="1000" fill="hold"/>
+                                        <p:cTn id="60" dur="1000" fill="hold"/>
                                         <p:tgtEl>
                                           <p:spTgt spid="22"/>
                                         </p:tgtEl>
@@ -34516,14 +34782,14 @@
                                 </p:cTn>
                               </p:par>
                               <p:par>
-                                <p:cTn id="53" presetID="42" presetClass="entr" presetSubtype="0" fill="hold" grpId="0" nodeType="withEffect">
+                                <p:cTn id="61" presetID="42" presetClass="entr" presetSubtype="0" fill="hold" grpId="0" nodeType="withEffect">
                                   <p:stCondLst>
                                     <p:cond delay="0"/>
                                   </p:stCondLst>
                                   <p:childTnLst>
                                     <p:set>
                                       <p:cBhvr>
-                                        <p:cTn id="54" dur="1" fill="hold">
+                                        <p:cTn id="62" dur="1" fill="hold">
                                           <p:stCondLst>
                                             <p:cond delay="0"/>
                                           </p:stCondLst>
@@ -34541,7 +34807,7 @@
                                     </p:set>
                                     <p:animEffect transition="in" filter="fade">
                                       <p:cBhvr>
-                                        <p:cTn id="55" dur="1000"/>
+                                        <p:cTn id="63" dur="1000"/>
                                         <p:tgtEl>
                                           <p:spTgt spid="29"/>
                                         </p:tgtEl>
@@ -34549,7 +34815,7 @@
                                     </p:animEffect>
                                     <p:anim calcmode="lin" valueType="num">
                                       <p:cBhvr>
-                                        <p:cTn id="56" dur="1000" fill="hold"/>
+                                        <p:cTn id="64" dur="1000" fill="hold"/>
                                         <p:tgtEl>
                                           <p:spTgt spid="29"/>
                                         </p:tgtEl>
@@ -34572,7 +34838,7 @@
                                     </p:anim>
                                     <p:anim calcmode="lin" valueType="num">
                                       <p:cBhvr>
-                                        <p:cTn id="57" dur="1000" fill="hold"/>
+                                        <p:cTn id="65" dur="1000" fill="hold"/>
                                         <p:tgtEl>
                                           <p:spTgt spid="29"/>
                                         </p:tgtEl>
@@ -34603,26 +34869,26 @@
                     </p:cTn>
                   </p:par>
                   <p:par>
-                    <p:cTn id="58" fill="hold">
+                    <p:cTn id="66" fill="hold">
                       <p:stCondLst>
                         <p:cond delay="indefinite"/>
                       </p:stCondLst>
                       <p:childTnLst>
                         <p:par>
-                          <p:cTn id="59" fill="hold">
+                          <p:cTn id="67" fill="hold">
                             <p:stCondLst>
                               <p:cond delay="0"/>
                             </p:stCondLst>
                             <p:childTnLst>
                               <p:par>
-                                <p:cTn id="60" presetID="42" presetClass="path" presetSubtype="0" accel="50000" decel="50000" fill="hold" nodeType="clickEffect">
+                                <p:cTn id="68" presetID="42" presetClass="path" presetSubtype="0" accel="50000" decel="50000" fill="hold" nodeType="clickEffect">
                                   <p:stCondLst>
                                     <p:cond delay="0"/>
                                   </p:stCondLst>
                                   <p:childTnLst>
                                     <p:animMotion origin="layout" path="M 2.77778E-7 1.7284E-6 L 0.25017 -0.19506 " pathEditMode="relative" rAng="0" ptsTypes="AA">
                                       <p:cBhvr>
-                                        <p:cTn id="61" dur="2000" fill="hold"/>
+                                        <p:cTn id="69" dur="2000" fill="hold"/>
                                         <p:tgtEl>
                                           <p:spTgt spid="5"/>
                                         </p:tgtEl>
@@ -34637,14 +34903,14 @@
                                 </p:cTn>
                               </p:par>
                               <p:par>
-                                <p:cTn id="62" presetID="2" presetClass="exit" presetSubtype="4" fill="hold" nodeType="withEffect">
+                                <p:cTn id="70" presetID="2" presetClass="exit" presetSubtype="4" fill="hold" nodeType="withEffect">
                                   <p:stCondLst>
                                     <p:cond delay="0"/>
                                   </p:stCondLst>
                                   <p:childTnLst>
                                     <p:anim calcmode="lin" valueType="num">
                                       <p:cBhvr additive="base">
-                                        <p:cTn id="63" dur="500"/>
+                                        <p:cTn id="71" dur="500"/>
                                         <p:tgtEl>
                                           <p:spTgt spid="12"/>
                                         </p:tgtEl>
@@ -34667,155 +34933,9 @@
                                     </p:anim>
                                     <p:anim calcmode="lin" valueType="num">
                                       <p:cBhvr additive="base">
-                                        <p:cTn id="64" dur="500"/>
+                                        <p:cTn id="72" dur="500"/>
                                         <p:tgtEl>
                                           <p:spTgt spid="12"/>
-                                        </p:tgtEl>
-                                        <p:attrNameLst>
-                                          <p:attrName>ppt_y</p:attrName>
-                                        </p:attrNameLst>
-                                      </p:cBhvr>
-                                      <p:tavLst>
-                                        <p:tav tm="0">
-                                          <p:val>
-                                            <p:strVal val="ppt_y"/>
-                                          </p:val>
-                                        </p:tav>
-                                        <p:tav tm="100000">
-                                          <p:val>
-                                            <p:strVal val="1+ppt_h/2"/>
-                                          </p:val>
-                                        </p:tav>
-                                      </p:tavLst>
-                                    </p:anim>
-                                    <p:set>
-                                      <p:cBhvr>
-                                        <p:cTn id="65" dur="1" fill="hold">
-                                          <p:stCondLst>
-                                            <p:cond delay="499"/>
-                                          </p:stCondLst>
-                                        </p:cTn>
-                                        <p:tgtEl>
-                                          <p:spTgt spid="12"/>
-                                        </p:tgtEl>
-                                        <p:attrNameLst>
-                                          <p:attrName>style.visibility</p:attrName>
-                                        </p:attrNameLst>
-                                      </p:cBhvr>
-                                      <p:to>
-                                        <p:strVal val="hidden"/>
-                                      </p:to>
-                                    </p:set>
-                                  </p:childTnLst>
-                                </p:cTn>
-                              </p:par>
-                              <p:par>
-                                <p:cTn id="66" presetID="2" presetClass="exit" presetSubtype="4" fill="hold" grpId="1" nodeType="withEffect">
-                                  <p:stCondLst>
-                                    <p:cond delay="0"/>
-                                  </p:stCondLst>
-                                  <p:childTnLst>
-                                    <p:anim calcmode="lin" valueType="num">
-                                      <p:cBhvr additive="base">
-                                        <p:cTn id="67" dur="500"/>
-                                        <p:tgtEl>
-                                          <p:spTgt spid="16"/>
-                                        </p:tgtEl>
-                                        <p:attrNameLst>
-                                          <p:attrName>ppt_x</p:attrName>
-                                        </p:attrNameLst>
-                                      </p:cBhvr>
-                                      <p:tavLst>
-                                        <p:tav tm="0">
-                                          <p:val>
-                                            <p:strVal val="ppt_x"/>
-                                          </p:val>
-                                        </p:tav>
-                                        <p:tav tm="100000">
-                                          <p:val>
-                                            <p:strVal val="ppt_x"/>
-                                          </p:val>
-                                        </p:tav>
-                                      </p:tavLst>
-                                    </p:anim>
-                                    <p:anim calcmode="lin" valueType="num">
-                                      <p:cBhvr additive="base">
-                                        <p:cTn id="68" dur="500"/>
-                                        <p:tgtEl>
-                                          <p:spTgt spid="16"/>
-                                        </p:tgtEl>
-                                        <p:attrNameLst>
-                                          <p:attrName>ppt_y</p:attrName>
-                                        </p:attrNameLst>
-                                      </p:cBhvr>
-                                      <p:tavLst>
-                                        <p:tav tm="0">
-                                          <p:val>
-                                            <p:strVal val="ppt_y"/>
-                                          </p:val>
-                                        </p:tav>
-                                        <p:tav tm="100000">
-                                          <p:val>
-                                            <p:strVal val="1+ppt_h/2"/>
-                                          </p:val>
-                                        </p:tav>
-                                      </p:tavLst>
-                                    </p:anim>
-                                    <p:set>
-                                      <p:cBhvr>
-                                        <p:cTn id="69" dur="1" fill="hold">
-                                          <p:stCondLst>
-                                            <p:cond delay="499"/>
-                                          </p:stCondLst>
-                                        </p:cTn>
-                                        <p:tgtEl>
-                                          <p:spTgt spid="16"/>
-                                        </p:tgtEl>
-                                        <p:attrNameLst>
-                                          <p:attrName>style.visibility</p:attrName>
-                                        </p:attrNameLst>
-                                      </p:cBhvr>
-                                      <p:to>
-                                        <p:strVal val="hidden"/>
-                                      </p:to>
-                                    </p:set>
-                                  </p:childTnLst>
-                                </p:cTn>
-                              </p:par>
-                              <p:par>
-                                <p:cTn id="70" presetID="2" presetClass="exit" presetSubtype="4" fill="hold" nodeType="withEffect">
-                                  <p:stCondLst>
-                                    <p:cond delay="0"/>
-                                  </p:stCondLst>
-                                  <p:childTnLst>
-                                    <p:anim calcmode="lin" valueType="num">
-                                      <p:cBhvr additive="base">
-                                        <p:cTn id="71" dur="500"/>
-                                        <p:tgtEl>
-                                          <p:spTgt spid="15"/>
-                                        </p:tgtEl>
-                                        <p:attrNameLst>
-                                          <p:attrName>ppt_x</p:attrName>
-                                        </p:attrNameLst>
-                                      </p:cBhvr>
-                                      <p:tavLst>
-                                        <p:tav tm="0">
-                                          <p:val>
-                                            <p:strVal val="ppt_x"/>
-                                          </p:val>
-                                        </p:tav>
-                                        <p:tav tm="100000">
-                                          <p:val>
-                                            <p:strVal val="ppt_x"/>
-                                          </p:val>
-                                        </p:tav>
-                                      </p:tavLst>
-                                    </p:anim>
-                                    <p:anim calcmode="lin" valueType="num">
-                                      <p:cBhvr additive="base">
-                                        <p:cTn id="72" dur="500"/>
-                                        <p:tgtEl>
-                                          <p:spTgt spid="15"/>
                                         </p:tgtEl>
                                         <p:attrNameLst>
                                           <p:attrName>ppt_y</p:attrName>
@@ -34842,7 +34962,7 @@
                                           </p:stCondLst>
                                         </p:cTn>
                                         <p:tgtEl>
-                                          <p:spTgt spid="15"/>
+                                          <p:spTgt spid="12"/>
                                         </p:tgtEl>
                                         <p:attrNameLst>
                                           <p:attrName>style.visibility</p:attrName>
@@ -34865,7 +34985,7 @@
                                       <p:cBhvr additive="base">
                                         <p:cTn id="75" dur="500"/>
                                         <p:tgtEl>
-                                          <p:spTgt spid="17"/>
+                                          <p:spTgt spid="16"/>
                                         </p:tgtEl>
                                         <p:attrNameLst>
                                           <p:attrName>ppt_x</p:attrName>
@@ -34888,7 +35008,7 @@
                                       <p:cBhvr additive="base">
                                         <p:cTn id="76" dur="500"/>
                                         <p:tgtEl>
-                                          <p:spTgt spid="17"/>
+                                          <p:spTgt spid="16"/>
                                         </p:tgtEl>
                                         <p:attrNameLst>
                                           <p:attrName>ppt_y</p:attrName>
@@ -34915,7 +35035,7 @@
                                           </p:stCondLst>
                                         </p:cTn>
                                         <p:tgtEl>
-                                          <p:spTgt spid="17"/>
+                                          <p:spTgt spid="16"/>
                                         </p:tgtEl>
                                         <p:attrNameLst>
                                           <p:attrName>style.visibility</p:attrName>
@@ -34929,7 +35049,7 @@
                                 </p:cTn>
                               </p:par>
                               <p:par>
-                                <p:cTn id="78" presetID="2" presetClass="exit" presetSubtype="4" fill="hold" grpId="1" nodeType="withEffect">
+                                <p:cTn id="78" presetID="2" presetClass="exit" presetSubtype="4" fill="hold" nodeType="withEffect">
                                   <p:stCondLst>
                                     <p:cond delay="0"/>
                                   </p:stCondLst>
@@ -34938,7 +35058,7 @@
                                       <p:cBhvr additive="base">
                                         <p:cTn id="79" dur="500"/>
                                         <p:tgtEl>
-                                          <p:spTgt spid="28"/>
+                                          <p:spTgt spid="15"/>
                                         </p:tgtEl>
                                         <p:attrNameLst>
                                           <p:attrName>ppt_x</p:attrName>
@@ -34961,7 +35081,7 @@
                                       <p:cBhvr additive="base">
                                         <p:cTn id="80" dur="500"/>
                                         <p:tgtEl>
-                                          <p:spTgt spid="28"/>
+                                          <p:spTgt spid="15"/>
                                         </p:tgtEl>
                                         <p:attrNameLst>
                                           <p:attrName>ppt_y</p:attrName>
@@ -34988,7 +35108,7 @@
                                           </p:stCondLst>
                                         </p:cTn>
                                         <p:tgtEl>
-                                          <p:spTgt spid="28"/>
+                                          <p:spTgt spid="15"/>
                                         </p:tgtEl>
                                         <p:attrNameLst>
                                           <p:attrName>style.visibility</p:attrName>
@@ -35002,7 +35122,7 @@
                                 </p:cTn>
                               </p:par>
                               <p:par>
-                                <p:cTn id="82" presetID="2" presetClass="exit" presetSubtype="4" fill="hold" nodeType="withEffect">
+                                <p:cTn id="82" presetID="2" presetClass="exit" presetSubtype="4" fill="hold" grpId="1" nodeType="withEffect">
                                   <p:stCondLst>
                                     <p:cond delay="0"/>
                                   </p:stCondLst>
@@ -35011,7 +35131,7 @@
                                       <p:cBhvr additive="base">
                                         <p:cTn id="83" dur="500"/>
                                         <p:tgtEl>
-                                          <p:spTgt spid="20"/>
+                                          <p:spTgt spid="17"/>
                                         </p:tgtEl>
                                         <p:attrNameLst>
                                           <p:attrName>ppt_x</p:attrName>
@@ -35034,7 +35154,7 @@
                                       <p:cBhvr additive="base">
                                         <p:cTn id="84" dur="500"/>
                                         <p:tgtEl>
-                                          <p:spTgt spid="20"/>
+                                          <p:spTgt spid="17"/>
                                         </p:tgtEl>
                                         <p:attrNameLst>
                                           <p:attrName>ppt_y</p:attrName>
@@ -35061,7 +35181,7 @@
                                           </p:stCondLst>
                                         </p:cTn>
                                         <p:tgtEl>
-                                          <p:spTgt spid="20"/>
+                                          <p:spTgt spid="17"/>
                                         </p:tgtEl>
                                         <p:attrNameLst>
                                           <p:attrName>style.visibility</p:attrName>
@@ -35075,7 +35195,7 @@
                                 </p:cTn>
                               </p:par>
                               <p:par>
-                                <p:cTn id="86" presetID="2" presetClass="exit" presetSubtype="4" fill="hold" nodeType="withEffect">
+                                <p:cTn id="86" presetID="2" presetClass="exit" presetSubtype="4" fill="hold" grpId="1" nodeType="withEffect">
                                   <p:stCondLst>
                                     <p:cond delay="0"/>
                                   </p:stCondLst>
@@ -35084,7 +35204,7 @@
                                       <p:cBhvr additive="base">
                                         <p:cTn id="87" dur="500"/>
                                         <p:tgtEl>
-                                          <p:spTgt spid="22"/>
+                                          <p:spTgt spid="28"/>
                                         </p:tgtEl>
                                         <p:attrNameLst>
                                           <p:attrName>ppt_x</p:attrName>
@@ -35107,7 +35227,7 @@
                                       <p:cBhvr additive="base">
                                         <p:cTn id="88" dur="500"/>
                                         <p:tgtEl>
-                                          <p:spTgt spid="22"/>
+                                          <p:spTgt spid="28"/>
                                         </p:tgtEl>
                                         <p:attrNameLst>
                                           <p:attrName>ppt_y</p:attrName>
@@ -35134,7 +35254,7 @@
                                           </p:stCondLst>
                                         </p:cTn>
                                         <p:tgtEl>
-                                          <p:spTgt spid="22"/>
+                                          <p:spTgt spid="28"/>
                                         </p:tgtEl>
                                         <p:attrNameLst>
                                           <p:attrName>style.visibility</p:attrName>
@@ -35148,7 +35268,7 @@
                                 </p:cTn>
                               </p:par>
                               <p:par>
-                                <p:cTn id="90" presetID="2" presetClass="exit" presetSubtype="4" fill="hold" grpId="1" nodeType="withEffect">
+                                <p:cTn id="90" presetID="2" presetClass="exit" presetSubtype="4" fill="hold" nodeType="withEffect">
                                   <p:stCondLst>
                                     <p:cond delay="0"/>
                                   </p:stCondLst>
@@ -35157,7 +35277,7 @@
                                       <p:cBhvr additive="base">
                                         <p:cTn id="91" dur="500"/>
                                         <p:tgtEl>
-                                          <p:spTgt spid="29"/>
+                                          <p:spTgt spid="20"/>
                                         </p:tgtEl>
                                         <p:attrNameLst>
                                           <p:attrName>ppt_x</p:attrName>
@@ -35180,7 +35300,7 @@
                                       <p:cBhvr additive="base">
                                         <p:cTn id="92" dur="500"/>
                                         <p:tgtEl>
-                                          <p:spTgt spid="29"/>
+                                          <p:spTgt spid="20"/>
                                         </p:tgtEl>
                                         <p:attrNameLst>
                                           <p:attrName>ppt_y</p:attrName>
@@ -35207,7 +35327,7 @@
                                           </p:stCondLst>
                                         </p:cTn>
                                         <p:tgtEl>
-                                          <p:spTgt spid="29"/>
+                                          <p:spTgt spid="20"/>
                                         </p:tgtEl>
                                         <p:attrNameLst>
                                           <p:attrName>style.visibility</p:attrName>
@@ -35221,7 +35341,7 @@
                                 </p:cTn>
                               </p:par>
                               <p:par>
-                                <p:cTn id="94" presetID="2" presetClass="exit" presetSubtype="4" fill="hold" grpId="0" nodeType="withEffect">
+                                <p:cTn id="94" presetID="2" presetClass="exit" presetSubtype="4" fill="hold" nodeType="withEffect">
                                   <p:stCondLst>
                                     <p:cond delay="0"/>
                                   </p:stCondLst>
@@ -35230,7 +35350,7 @@
                                       <p:cBhvr additive="base">
                                         <p:cTn id="95" dur="500"/>
                                         <p:tgtEl>
-                                          <p:spTgt spid="9"/>
+                                          <p:spTgt spid="22"/>
                                         </p:tgtEl>
                                         <p:attrNameLst>
                                           <p:attrName>ppt_x</p:attrName>
@@ -35253,7 +35373,7 @@
                                       <p:cBhvr additive="base">
                                         <p:cTn id="96" dur="500"/>
                                         <p:tgtEl>
-                                          <p:spTgt spid="9"/>
+                                          <p:spTgt spid="22"/>
                                         </p:tgtEl>
                                         <p:attrNameLst>
                                           <p:attrName>ppt_y</p:attrName>
@@ -35280,7 +35400,7 @@
                                           </p:stCondLst>
                                         </p:cTn>
                                         <p:tgtEl>
-                                          <p:spTgt spid="9"/>
+                                          <p:spTgt spid="22"/>
                                         </p:tgtEl>
                                         <p:attrNameLst>
                                           <p:attrName>style.visibility</p:attrName>
@@ -35303,7 +35423,7 @@
                                       <p:cBhvr additive="base">
                                         <p:cTn id="99" dur="500"/>
                                         <p:tgtEl>
-                                          <p:spTgt spid="18"/>
+                                          <p:spTgt spid="29"/>
                                         </p:tgtEl>
                                         <p:attrNameLst>
                                           <p:attrName>ppt_x</p:attrName>
@@ -35326,7 +35446,7 @@
                                       <p:cBhvr additive="base">
                                         <p:cTn id="100" dur="500"/>
                                         <p:tgtEl>
-                                          <p:spTgt spid="18"/>
+                                          <p:spTgt spid="29"/>
                                         </p:tgtEl>
                                         <p:attrNameLst>
                                           <p:attrName>ppt_y</p:attrName>
@@ -35353,6 +35473,152 @@
                                           </p:stCondLst>
                                         </p:cTn>
                                         <p:tgtEl>
+                                          <p:spTgt spid="29"/>
+                                        </p:tgtEl>
+                                        <p:attrNameLst>
+                                          <p:attrName>style.visibility</p:attrName>
+                                        </p:attrNameLst>
+                                      </p:cBhvr>
+                                      <p:to>
+                                        <p:strVal val="hidden"/>
+                                      </p:to>
+                                    </p:set>
+                                  </p:childTnLst>
+                                </p:cTn>
+                              </p:par>
+                              <p:par>
+                                <p:cTn id="102" presetID="2" presetClass="exit" presetSubtype="4" fill="hold" grpId="0" nodeType="withEffect">
+                                  <p:stCondLst>
+                                    <p:cond delay="0"/>
+                                  </p:stCondLst>
+                                  <p:childTnLst>
+                                    <p:anim calcmode="lin" valueType="num">
+                                      <p:cBhvr additive="base">
+                                        <p:cTn id="103" dur="500"/>
+                                        <p:tgtEl>
+                                          <p:spTgt spid="9"/>
+                                        </p:tgtEl>
+                                        <p:attrNameLst>
+                                          <p:attrName>ppt_x</p:attrName>
+                                        </p:attrNameLst>
+                                      </p:cBhvr>
+                                      <p:tavLst>
+                                        <p:tav tm="0">
+                                          <p:val>
+                                            <p:strVal val="ppt_x"/>
+                                          </p:val>
+                                        </p:tav>
+                                        <p:tav tm="100000">
+                                          <p:val>
+                                            <p:strVal val="ppt_x"/>
+                                          </p:val>
+                                        </p:tav>
+                                      </p:tavLst>
+                                    </p:anim>
+                                    <p:anim calcmode="lin" valueType="num">
+                                      <p:cBhvr additive="base">
+                                        <p:cTn id="104" dur="500"/>
+                                        <p:tgtEl>
+                                          <p:spTgt spid="9"/>
+                                        </p:tgtEl>
+                                        <p:attrNameLst>
+                                          <p:attrName>ppt_y</p:attrName>
+                                        </p:attrNameLst>
+                                      </p:cBhvr>
+                                      <p:tavLst>
+                                        <p:tav tm="0">
+                                          <p:val>
+                                            <p:strVal val="ppt_y"/>
+                                          </p:val>
+                                        </p:tav>
+                                        <p:tav tm="100000">
+                                          <p:val>
+                                            <p:strVal val="1+ppt_h/2"/>
+                                          </p:val>
+                                        </p:tav>
+                                      </p:tavLst>
+                                    </p:anim>
+                                    <p:set>
+                                      <p:cBhvr>
+                                        <p:cTn id="105" dur="1" fill="hold">
+                                          <p:stCondLst>
+                                            <p:cond delay="499"/>
+                                          </p:stCondLst>
+                                        </p:cTn>
+                                        <p:tgtEl>
+                                          <p:spTgt spid="9"/>
+                                        </p:tgtEl>
+                                        <p:attrNameLst>
+                                          <p:attrName>style.visibility</p:attrName>
+                                        </p:attrNameLst>
+                                      </p:cBhvr>
+                                      <p:to>
+                                        <p:strVal val="hidden"/>
+                                      </p:to>
+                                    </p:set>
+                                  </p:childTnLst>
+                                </p:cTn>
+                              </p:par>
+                              <p:par>
+                                <p:cTn id="106" presetID="2" presetClass="exit" presetSubtype="4" fill="hold" grpId="1" nodeType="withEffect">
+                                  <p:stCondLst>
+                                    <p:cond delay="0"/>
+                                  </p:stCondLst>
+                                  <p:childTnLst>
+                                    <p:anim calcmode="lin" valueType="num">
+                                      <p:cBhvr additive="base">
+                                        <p:cTn id="107" dur="500"/>
+                                        <p:tgtEl>
+                                          <p:spTgt spid="18"/>
+                                        </p:tgtEl>
+                                        <p:attrNameLst>
+                                          <p:attrName>ppt_x</p:attrName>
+                                        </p:attrNameLst>
+                                      </p:cBhvr>
+                                      <p:tavLst>
+                                        <p:tav tm="0">
+                                          <p:val>
+                                            <p:strVal val="ppt_x"/>
+                                          </p:val>
+                                        </p:tav>
+                                        <p:tav tm="100000">
+                                          <p:val>
+                                            <p:strVal val="ppt_x"/>
+                                          </p:val>
+                                        </p:tav>
+                                      </p:tavLst>
+                                    </p:anim>
+                                    <p:anim calcmode="lin" valueType="num">
+                                      <p:cBhvr additive="base">
+                                        <p:cTn id="108" dur="500"/>
+                                        <p:tgtEl>
+                                          <p:spTgt spid="18"/>
+                                        </p:tgtEl>
+                                        <p:attrNameLst>
+                                          <p:attrName>ppt_y</p:attrName>
+                                        </p:attrNameLst>
+                                      </p:cBhvr>
+                                      <p:tavLst>
+                                        <p:tav tm="0">
+                                          <p:val>
+                                            <p:strVal val="ppt_y"/>
+                                          </p:val>
+                                        </p:tav>
+                                        <p:tav tm="100000">
+                                          <p:val>
+                                            <p:strVal val="1+ppt_h/2"/>
+                                          </p:val>
+                                        </p:tav>
+                                      </p:tavLst>
+                                    </p:anim>
+                                    <p:set>
+                                      <p:cBhvr>
+                                        <p:cTn id="109" dur="1" fill="hold">
+                                          <p:stCondLst>
+                                            <p:cond delay="499"/>
+                                          </p:stCondLst>
+                                        </p:cTn>
+                                        <p:tgtEl>
                                           <p:spTgt spid="18"/>
                                         </p:tgtEl>
                                         <p:attrNameLst>
@@ -35373,26 +35639,26 @@
                     </p:cTn>
                   </p:par>
                   <p:par>
-                    <p:cTn id="102" fill="hold">
+                    <p:cTn id="110" fill="hold">
                       <p:stCondLst>
                         <p:cond delay="indefinite"/>
                       </p:stCondLst>
                       <p:childTnLst>
                         <p:par>
-                          <p:cTn id="103" fill="hold">
+                          <p:cTn id="111" fill="hold">
                             <p:stCondLst>
                               <p:cond delay="0"/>
                             </p:stCondLst>
                             <p:childTnLst>
                               <p:par>
-                                <p:cTn id="104" presetID="42" presetClass="entr" presetSubtype="0" fill="hold" grpId="0" nodeType="clickEffect">
+                                <p:cTn id="112" presetID="42" presetClass="entr" presetSubtype="0" fill="hold" grpId="0" nodeType="clickEffect">
                                   <p:stCondLst>
                                     <p:cond delay="0"/>
                                   </p:stCondLst>
                                   <p:childTnLst>
                                     <p:set>
                                       <p:cBhvr>
-                                        <p:cTn id="105" dur="1" fill="hold">
+                                        <p:cTn id="113" dur="1" fill="hold">
                                           <p:stCondLst>
                                             <p:cond delay="0"/>
                                           </p:stCondLst>
@@ -35410,7 +35676,7 @@
                                     </p:set>
                                     <p:animEffect transition="in" filter="fade">
                                       <p:cBhvr>
-                                        <p:cTn id="106" dur="1000"/>
+                                        <p:cTn id="114" dur="1000"/>
                                         <p:tgtEl>
                                           <p:spTgt spid="55"/>
                                         </p:tgtEl>
@@ -35418,7 +35684,7 @@
                                     </p:animEffect>
                                     <p:anim calcmode="lin" valueType="num">
                                       <p:cBhvr>
-                                        <p:cTn id="107" dur="1000" fill="hold"/>
+                                        <p:cTn id="115" dur="1000" fill="hold"/>
                                         <p:tgtEl>
                                           <p:spTgt spid="55"/>
                                         </p:tgtEl>
@@ -35441,7 +35707,7 @@
                                     </p:anim>
                                     <p:anim calcmode="lin" valueType="num">
                                       <p:cBhvr>
-                                        <p:cTn id="108" dur="1000" fill="hold"/>
+                                        <p:cTn id="116" dur="1000" fill="hold"/>
                                         <p:tgtEl>
                                           <p:spTgt spid="55"/>
                                         </p:tgtEl>
@@ -35466,14 +35732,14 @@
                                 </p:cTn>
                               </p:par>
                               <p:par>
-                                <p:cTn id="109" presetID="42" presetClass="entr" presetSubtype="0" fill="hold" nodeType="withEffect">
+                                <p:cTn id="117" presetID="42" presetClass="entr" presetSubtype="0" fill="hold" nodeType="withEffect">
                                   <p:stCondLst>
                                     <p:cond delay="0"/>
                                   </p:stCondLst>
                                   <p:childTnLst>
                                     <p:set>
                                       <p:cBhvr>
-                                        <p:cTn id="110" dur="1" fill="hold">
+                                        <p:cTn id="118" dur="1" fill="hold">
                                           <p:stCondLst>
                                             <p:cond delay="0"/>
                                           </p:stCondLst>
@@ -35491,7 +35757,7 @@
                                     </p:set>
                                     <p:animEffect transition="in" filter="fade">
                                       <p:cBhvr>
-                                        <p:cTn id="111" dur="1000"/>
+                                        <p:cTn id="119" dur="1000"/>
                                         <p:tgtEl>
                                           <p:spTgt spid="53"/>
                                         </p:tgtEl>
@@ -35499,7 +35765,7 @@
                                     </p:animEffect>
                                     <p:anim calcmode="lin" valueType="num">
                                       <p:cBhvr>
-                                        <p:cTn id="112" dur="1000" fill="hold"/>
+                                        <p:cTn id="120" dur="1000" fill="hold"/>
                                         <p:tgtEl>
                                           <p:spTgt spid="53"/>
                                         </p:tgtEl>
@@ -35522,7 +35788,7 @@
                                     </p:anim>
                                     <p:anim calcmode="lin" valueType="num">
                                       <p:cBhvr>
-                                        <p:cTn id="113" dur="1000" fill="hold"/>
+                                        <p:cTn id="121" dur="1000" fill="hold"/>
                                         <p:tgtEl>
                                           <p:spTgt spid="53"/>
                                         </p:tgtEl>
@@ -35553,26 +35819,26 @@
                     </p:cTn>
                   </p:par>
                   <p:par>
-                    <p:cTn id="114" fill="hold">
+                    <p:cTn id="122" fill="hold">
                       <p:stCondLst>
                         <p:cond delay="indefinite"/>
                       </p:stCondLst>
                       <p:childTnLst>
                         <p:par>
-                          <p:cTn id="115" fill="hold">
+                          <p:cTn id="123" fill="hold">
                             <p:stCondLst>
                               <p:cond delay="0"/>
                             </p:stCondLst>
                             <p:childTnLst>
                               <p:par>
-                                <p:cTn id="116" presetID="42" presetClass="entr" presetSubtype="0" fill="hold" grpId="0" nodeType="clickEffect">
+                                <p:cTn id="124" presetID="42" presetClass="entr" presetSubtype="0" fill="hold" grpId="0" nodeType="clickEffect">
                                   <p:stCondLst>
                                     <p:cond delay="0"/>
                                   </p:stCondLst>
                                   <p:childTnLst>
                                     <p:set>
                                       <p:cBhvr>
-                                        <p:cTn id="117" dur="1" fill="hold">
+                                        <p:cTn id="125" dur="1" fill="hold">
                                           <p:stCondLst>
                                             <p:cond delay="0"/>
                                           </p:stCondLst>
@@ -35590,7 +35856,7 @@
                                     </p:set>
                                     <p:animEffect transition="in" filter="fade">
                                       <p:cBhvr>
-                                        <p:cTn id="118" dur="1000"/>
+                                        <p:cTn id="126" dur="1000"/>
                                         <p:tgtEl>
                                           <p:spTgt spid="58"/>
                                         </p:tgtEl>
@@ -35598,7 +35864,7 @@
                                     </p:animEffect>
                                     <p:anim calcmode="lin" valueType="num">
                                       <p:cBhvr>
-                                        <p:cTn id="119" dur="1000" fill="hold"/>
+                                        <p:cTn id="127" dur="1000" fill="hold"/>
                                         <p:tgtEl>
                                           <p:spTgt spid="58"/>
                                         </p:tgtEl>
@@ -35621,7 +35887,7 @@
                                     </p:anim>
                                     <p:anim calcmode="lin" valueType="num">
                                       <p:cBhvr>
-                                        <p:cTn id="120" dur="1000" fill="hold"/>
+                                        <p:cTn id="128" dur="1000" fill="hold"/>
                                         <p:tgtEl>
                                           <p:spTgt spid="58"/>
                                         </p:tgtEl>
@@ -35646,14 +35912,14 @@
                                 </p:cTn>
                               </p:par>
                               <p:par>
-                                <p:cTn id="121" presetID="42" presetClass="entr" presetSubtype="0" fill="hold" nodeType="withEffect">
+                                <p:cTn id="129" presetID="42" presetClass="entr" presetSubtype="0" fill="hold" nodeType="withEffect">
                                   <p:stCondLst>
                                     <p:cond delay="0"/>
                                   </p:stCondLst>
                                   <p:childTnLst>
                                     <p:set>
                                       <p:cBhvr>
-                                        <p:cTn id="122" dur="1" fill="hold">
+                                        <p:cTn id="130" dur="1" fill="hold">
                                           <p:stCondLst>
                                             <p:cond delay="0"/>
                                           </p:stCondLst>
@@ -35671,7 +35937,7 @@
                                     </p:set>
                                     <p:animEffect transition="in" filter="fade">
                                       <p:cBhvr>
-                                        <p:cTn id="123" dur="1000"/>
+                                        <p:cTn id="131" dur="1000"/>
                                         <p:tgtEl>
                                           <p:spTgt spid="57"/>
                                         </p:tgtEl>
@@ -35679,7 +35945,7 @@
                                     </p:animEffect>
                                     <p:anim calcmode="lin" valueType="num">
                                       <p:cBhvr>
-                                        <p:cTn id="124" dur="1000" fill="hold"/>
+                                        <p:cTn id="132" dur="1000" fill="hold"/>
                                         <p:tgtEl>
                                           <p:spTgt spid="57"/>
                                         </p:tgtEl>
@@ -35702,7 +35968,7 @@
                                     </p:anim>
                                     <p:anim calcmode="lin" valueType="num">
                                       <p:cBhvr>
-                                        <p:cTn id="125" dur="1000" fill="hold"/>
+                                        <p:cTn id="133" dur="1000" fill="hold"/>
                                         <p:tgtEl>
                                           <p:spTgt spid="57"/>
                                         </p:tgtEl>
@@ -35733,26 +35999,26 @@
                     </p:cTn>
                   </p:par>
                   <p:par>
-                    <p:cTn id="126" fill="hold">
+                    <p:cTn id="134" fill="hold">
                       <p:stCondLst>
                         <p:cond delay="indefinite"/>
                       </p:stCondLst>
                       <p:childTnLst>
                         <p:par>
-                          <p:cTn id="127" fill="hold">
+                          <p:cTn id="135" fill="hold">
                             <p:stCondLst>
                               <p:cond delay="0"/>
                             </p:stCondLst>
                             <p:childTnLst>
                               <p:par>
-                                <p:cTn id="128" presetID="2" presetClass="exit" presetSubtype="4" fill="hold" nodeType="clickEffect">
+                                <p:cTn id="136" presetID="2" presetClass="exit" presetSubtype="4" fill="hold" nodeType="clickEffect">
                                   <p:stCondLst>
                                     <p:cond delay="0"/>
                                   </p:stCondLst>
                                   <p:childTnLst>
                                     <p:anim calcmode="lin" valueType="num">
                                       <p:cBhvr additive="base">
-                                        <p:cTn id="129" dur="500"/>
+                                        <p:cTn id="137" dur="500"/>
                                         <p:tgtEl>
                                           <p:spTgt spid="33"/>
                                         </p:tgtEl>
@@ -35775,7 +36041,7 @@
                                     </p:anim>
                                     <p:anim calcmode="lin" valueType="num">
                                       <p:cBhvr additive="base">
-                                        <p:cTn id="130" dur="500"/>
+                                        <p:cTn id="138" dur="500"/>
                                         <p:tgtEl>
                                           <p:spTgt spid="33"/>
                                         </p:tgtEl>
@@ -35798,7 +36064,7 @@
                                     </p:anim>
                                     <p:set>
                                       <p:cBhvr>
-                                        <p:cTn id="131" dur="1" fill="hold">
+                                        <p:cTn id="139" dur="1" fill="hold">
                                           <p:stCondLst>
                                             <p:cond delay="499"/>
                                           </p:stCondLst>
@@ -35818,14 +36084,14 @@
                                 </p:cTn>
                               </p:par>
                               <p:par>
-                                <p:cTn id="132" presetID="42" presetClass="entr" presetSubtype="0" fill="hold" nodeType="withEffect">
+                                <p:cTn id="140" presetID="42" presetClass="entr" presetSubtype="0" fill="hold" nodeType="withEffect">
                                   <p:stCondLst>
                                     <p:cond delay="0"/>
                                   </p:stCondLst>
                                   <p:childTnLst>
                                     <p:set>
                                       <p:cBhvr>
-                                        <p:cTn id="133" dur="1" fill="hold">
+                                        <p:cTn id="141" dur="1" fill="hold">
                                           <p:stCondLst>
                                             <p:cond delay="0"/>
                                           </p:stCondLst>
@@ -35843,7 +36109,7 @@
                                     </p:set>
                                     <p:animEffect transition="in" filter="fade">
                                       <p:cBhvr>
-                                        <p:cTn id="134" dur="1000"/>
+                                        <p:cTn id="142" dur="1000"/>
                                         <p:tgtEl>
                                           <p:spTgt spid="59"/>
                                         </p:tgtEl>
@@ -35851,7 +36117,7 @@
                                     </p:animEffect>
                                     <p:anim calcmode="lin" valueType="num">
                                       <p:cBhvr>
-                                        <p:cTn id="135" dur="1000" fill="hold"/>
+                                        <p:cTn id="143" dur="1000" fill="hold"/>
                                         <p:tgtEl>
                                           <p:spTgt spid="59"/>
                                         </p:tgtEl>
@@ -35874,7 +36140,7 @@
                                     </p:anim>
                                     <p:anim calcmode="lin" valueType="num">
                                       <p:cBhvr>
-                                        <p:cTn id="136" dur="1000" fill="hold"/>
+                                        <p:cTn id="144" dur="1000" fill="hold"/>
                                         <p:tgtEl>
                                           <p:spTgt spid="59"/>
                                         </p:tgtEl>
@@ -35905,26 +36171,26 @@
                     </p:cTn>
                   </p:par>
                   <p:par>
-                    <p:cTn id="137" fill="hold">
+                    <p:cTn id="145" fill="hold">
                       <p:stCondLst>
                         <p:cond delay="indefinite"/>
                       </p:stCondLst>
                       <p:childTnLst>
                         <p:par>
-                          <p:cTn id="138" fill="hold">
+                          <p:cTn id="146" fill="hold">
                             <p:stCondLst>
                               <p:cond delay="0"/>
                             </p:stCondLst>
                             <p:childTnLst>
                               <p:par>
-                                <p:cTn id="139" presetID="2" presetClass="exit" presetSubtype="4" fill="hold" grpId="1" nodeType="clickEffect">
+                                <p:cTn id="147" presetID="2" presetClass="exit" presetSubtype="4" fill="hold" grpId="1" nodeType="clickEffect">
                                   <p:stCondLst>
                                     <p:cond delay="0"/>
                                   </p:stCondLst>
                                   <p:childTnLst>
                                     <p:anim calcmode="lin" valueType="num">
                                       <p:cBhvr additive="base">
-                                        <p:cTn id="140" dur="500"/>
+                                        <p:cTn id="148" dur="500"/>
                                         <p:tgtEl>
                                           <p:spTgt spid="55"/>
                                         </p:tgtEl>
@@ -35947,155 +36213,9 @@
                                     </p:anim>
                                     <p:anim calcmode="lin" valueType="num">
                                       <p:cBhvr additive="base">
-                                        <p:cTn id="141" dur="500"/>
+                                        <p:cTn id="149" dur="500"/>
                                         <p:tgtEl>
                                           <p:spTgt spid="55"/>
-                                        </p:tgtEl>
-                                        <p:attrNameLst>
-                                          <p:attrName>ppt_y</p:attrName>
-                                        </p:attrNameLst>
-                                      </p:cBhvr>
-                                      <p:tavLst>
-                                        <p:tav tm="0">
-                                          <p:val>
-                                            <p:strVal val="ppt_y"/>
-                                          </p:val>
-                                        </p:tav>
-                                        <p:tav tm="100000">
-                                          <p:val>
-                                            <p:strVal val="1+ppt_h/2"/>
-                                          </p:val>
-                                        </p:tav>
-                                      </p:tavLst>
-                                    </p:anim>
-                                    <p:set>
-                                      <p:cBhvr>
-                                        <p:cTn id="142" dur="1" fill="hold">
-                                          <p:stCondLst>
-                                            <p:cond delay="499"/>
-                                          </p:stCondLst>
-                                        </p:cTn>
-                                        <p:tgtEl>
-                                          <p:spTgt spid="55"/>
-                                        </p:tgtEl>
-                                        <p:attrNameLst>
-                                          <p:attrName>style.visibility</p:attrName>
-                                        </p:attrNameLst>
-                                      </p:cBhvr>
-                                      <p:to>
-                                        <p:strVal val="hidden"/>
-                                      </p:to>
-                                    </p:set>
-                                  </p:childTnLst>
-                                </p:cTn>
-                              </p:par>
-                              <p:par>
-                                <p:cTn id="143" presetID="2" presetClass="exit" presetSubtype="4" fill="hold" nodeType="withEffect">
-                                  <p:stCondLst>
-                                    <p:cond delay="0"/>
-                                  </p:stCondLst>
-                                  <p:childTnLst>
-                                    <p:anim calcmode="lin" valueType="num">
-                                      <p:cBhvr additive="base">
-                                        <p:cTn id="144" dur="500"/>
-                                        <p:tgtEl>
-                                          <p:spTgt spid="53"/>
-                                        </p:tgtEl>
-                                        <p:attrNameLst>
-                                          <p:attrName>ppt_x</p:attrName>
-                                        </p:attrNameLst>
-                                      </p:cBhvr>
-                                      <p:tavLst>
-                                        <p:tav tm="0">
-                                          <p:val>
-                                            <p:strVal val="ppt_x"/>
-                                          </p:val>
-                                        </p:tav>
-                                        <p:tav tm="100000">
-                                          <p:val>
-                                            <p:strVal val="ppt_x"/>
-                                          </p:val>
-                                        </p:tav>
-                                      </p:tavLst>
-                                    </p:anim>
-                                    <p:anim calcmode="lin" valueType="num">
-                                      <p:cBhvr additive="base">
-                                        <p:cTn id="145" dur="500"/>
-                                        <p:tgtEl>
-                                          <p:spTgt spid="53"/>
-                                        </p:tgtEl>
-                                        <p:attrNameLst>
-                                          <p:attrName>ppt_y</p:attrName>
-                                        </p:attrNameLst>
-                                      </p:cBhvr>
-                                      <p:tavLst>
-                                        <p:tav tm="0">
-                                          <p:val>
-                                            <p:strVal val="ppt_y"/>
-                                          </p:val>
-                                        </p:tav>
-                                        <p:tav tm="100000">
-                                          <p:val>
-                                            <p:strVal val="1+ppt_h/2"/>
-                                          </p:val>
-                                        </p:tav>
-                                      </p:tavLst>
-                                    </p:anim>
-                                    <p:set>
-                                      <p:cBhvr>
-                                        <p:cTn id="146" dur="1" fill="hold">
-                                          <p:stCondLst>
-                                            <p:cond delay="499"/>
-                                          </p:stCondLst>
-                                        </p:cTn>
-                                        <p:tgtEl>
-                                          <p:spTgt spid="53"/>
-                                        </p:tgtEl>
-                                        <p:attrNameLst>
-                                          <p:attrName>style.visibility</p:attrName>
-                                        </p:attrNameLst>
-                                      </p:cBhvr>
-                                      <p:to>
-                                        <p:strVal val="hidden"/>
-                                      </p:to>
-                                    </p:set>
-                                  </p:childTnLst>
-                                </p:cTn>
-                              </p:par>
-                              <p:par>
-                                <p:cTn id="147" presetID="2" presetClass="exit" presetSubtype="4" fill="hold" grpId="1" nodeType="withEffect">
-                                  <p:stCondLst>
-                                    <p:cond delay="0"/>
-                                  </p:stCondLst>
-                                  <p:childTnLst>
-                                    <p:anim calcmode="lin" valueType="num">
-                                      <p:cBhvr additive="base">
-                                        <p:cTn id="148" dur="500"/>
-                                        <p:tgtEl>
-                                          <p:spTgt spid="58"/>
-                                        </p:tgtEl>
-                                        <p:attrNameLst>
-                                          <p:attrName>ppt_x</p:attrName>
-                                        </p:attrNameLst>
-                                      </p:cBhvr>
-                                      <p:tavLst>
-                                        <p:tav tm="0">
-                                          <p:val>
-                                            <p:strVal val="ppt_x"/>
-                                          </p:val>
-                                        </p:tav>
-                                        <p:tav tm="100000">
-                                          <p:val>
-                                            <p:strVal val="ppt_x"/>
-                                          </p:val>
-                                        </p:tav>
-                                      </p:tavLst>
-                                    </p:anim>
-                                    <p:anim calcmode="lin" valueType="num">
-                                      <p:cBhvr additive="base">
-                                        <p:cTn id="149" dur="500"/>
-                                        <p:tgtEl>
-                                          <p:spTgt spid="58"/>
                                         </p:tgtEl>
                                         <p:attrNameLst>
                                           <p:attrName>ppt_y</p:attrName>
@@ -36122,7 +36242,7 @@
                                           </p:stCondLst>
                                         </p:cTn>
                                         <p:tgtEl>
-                                          <p:spTgt spid="58"/>
+                                          <p:spTgt spid="55"/>
                                         </p:tgtEl>
                                         <p:attrNameLst>
                                           <p:attrName>style.visibility</p:attrName>
@@ -36145,7 +36265,7 @@
                                       <p:cBhvr additive="base">
                                         <p:cTn id="152" dur="500"/>
                                         <p:tgtEl>
-                                          <p:spTgt spid="57"/>
+                                          <p:spTgt spid="53"/>
                                         </p:tgtEl>
                                         <p:attrNameLst>
                                           <p:attrName>ppt_x</p:attrName>
@@ -36168,7 +36288,7 @@
                                       <p:cBhvr additive="base">
                                         <p:cTn id="153" dur="500"/>
                                         <p:tgtEl>
-                                          <p:spTgt spid="57"/>
+                                          <p:spTgt spid="53"/>
                                         </p:tgtEl>
                                         <p:attrNameLst>
                                           <p:attrName>ppt_y</p:attrName>
@@ -36195,6 +36315,152 @@
                                           </p:stCondLst>
                                         </p:cTn>
                                         <p:tgtEl>
+                                          <p:spTgt spid="53"/>
+                                        </p:tgtEl>
+                                        <p:attrNameLst>
+                                          <p:attrName>style.visibility</p:attrName>
+                                        </p:attrNameLst>
+                                      </p:cBhvr>
+                                      <p:to>
+                                        <p:strVal val="hidden"/>
+                                      </p:to>
+                                    </p:set>
+                                  </p:childTnLst>
+                                </p:cTn>
+                              </p:par>
+                              <p:par>
+                                <p:cTn id="155" presetID="2" presetClass="exit" presetSubtype="4" fill="hold" grpId="1" nodeType="withEffect">
+                                  <p:stCondLst>
+                                    <p:cond delay="0"/>
+                                  </p:stCondLst>
+                                  <p:childTnLst>
+                                    <p:anim calcmode="lin" valueType="num">
+                                      <p:cBhvr additive="base">
+                                        <p:cTn id="156" dur="500"/>
+                                        <p:tgtEl>
+                                          <p:spTgt spid="58"/>
+                                        </p:tgtEl>
+                                        <p:attrNameLst>
+                                          <p:attrName>ppt_x</p:attrName>
+                                        </p:attrNameLst>
+                                      </p:cBhvr>
+                                      <p:tavLst>
+                                        <p:tav tm="0">
+                                          <p:val>
+                                            <p:strVal val="ppt_x"/>
+                                          </p:val>
+                                        </p:tav>
+                                        <p:tav tm="100000">
+                                          <p:val>
+                                            <p:strVal val="ppt_x"/>
+                                          </p:val>
+                                        </p:tav>
+                                      </p:tavLst>
+                                    </p:anim>
+                                    <p:anim calcmode="lin" valueType="num">
+                                      <p:cBhvr additive="base">
+                                        <p:cTn id="157" dur="500"/>
+                                        <p:tgtEl>
+                                          <p:spTgt spid="58"/>
+                                        </p:tgtEl>
+                                        <p:attrNameLst>
+                                          <p:attrName>ppt_y</p:attrName>
+                                        </p:attrNameLst>
+                                      </p:cBhvr>
+                                      <p:tavLst>
+                                        <p:tav tm="0">
+                                          <p:val>
+                                            <p:strVal val="ppt_y"/>
+                                          </p:val>
+                                        </p:tav>
+                                        <p:tav tm="100000">
+                                          <p:val>
+                                            <p:strVal val="1+ppt_h/2"/>
+                                          </p:val>
+                                        </p:tav>
+                                      </p:tavLst>
+                                    </p:anim>
+                                    <p:set>
+                                      <p:cBhvr>
+                                        <p:cTn id="158" dur="1" fill="hold">
+                                          <p:stCondLst>
+                                            <p:cond delay="499"/>
+                                          </p:stCondLst>
+                                        </p:cTn>
+                                        <p:tgtEl>
+                                          <p:spTgt spid="58"/>
+                                        </p:tgtEl>
+                                        <p:attrNameLst>
+                                          <p:attrName>style.visibility</p:attrName>
+                                        </p:attrNameLst>
+                                      </p:cBhvr>
+                                      <p:to>
+                                        <p:strVal val="hidden"/>
+                                      </p:to>
+                                    </p:set>
+                                  </p:childTnLst>
+                                </p:cTn>
+                              </p:par>
+                              <p:par>
+                                <p:cTn id="159" presetID="2" presetClass="exit" presetSubtype="4" fill="hold" nodeType="withEffect">
+                                  <p:stCondLst>
+                                    <p:cond delay="0"/>
+                                  </p:stCondLst>
+                                  <p:childTnLst>
+                                    <p:anim calcmode="lin" valueType="num">
+                                      <p:cBhvr additive="base">
+                                        <p:cTn id="160" dur="500"/>
+                                        <p:tgtEl>
+                                          <p:spTgt spid="57"/>
+                                        </p:tgtEl>
+                                        <p:attrNameLst>
+                                          <p:attrName>ppt_x</p:attrName>
+                                        </p:attrNameLst>
+                                      </p:cBhvr>
+                                      <p:tavLst>
+                                        <p:tav tm="0">
+                                          <p:val>
+                                            <p:strVal val="ppt_x"/>
+                                          </p:val>
+                                        </p:tav>
+                                        <p:tav tm="100000">
+                                          <p:val>
+                                            <p:strVal val="ppt_x"/>
+                                          </p:val>
+                                        </p:tav>
+                                      </p:tavLst>
+                                    </p:anim>
+                                    <p:anim calcmode="lin" valueType="num">
+                                      <p:cBhvr additive="base">
+                                        <p:cTn id="161" dur="500"/>
+                                        <p:tgtEl>
+                                          <p:spTgt spid="57"/>
+                                        </p:tgtEl>
+                                        <p:attrNameLst>
+                                          <p:attrName>ppt_y</p:attrName>
+                                        </p:attrNameLst>
+                                      </p:cBhvr>
+                                      <p:tavLst>
+                                        <p:tav tm="0">
+                                          <p:val>
+                                            <p:strVal val="ppt_y"/>
+                                          </p:val>
+                                        </p:tav>
+                                        <p:tav tm="100000">
+                                          <p:val>
+                                            <p:strVal val="1+ppt_h/2"/>
+                                          </p:val>
+                                        </p:tav>
+                                      </p:tavLst>
+                                    </p:anim>
+                                    <p:set>
+                                      <p:cBhvr>
+                                        <p:cTn id="162" dur="1" fill="hold">
+                                          <p:stCondLst>
+                                            <p:cond delay="499"/>
+                                          </p:stCondLst>
+                                        </p:cTn>
+                                        <p:tgtEl>
                                           <p:spTgt spid="57"/>
                                         </p:tgtEl>
                                         <p:attrNameLst>
@@ -36215,26 +36481,26 @@
                     </p:cTn>
                   </p:par>
                   <p:par>
-                    <p:cTn id="155" fill="hold">
+                    <p:cTn id="163" fill="hold">
                       <p:stCondLst>
                         <p:cond delay="indefinite"/>
                       </p:stCondLst>
                       <p:childTnLst>
                         <p:par>
-                          <p:cTn id="156" fill="hold">
+                          <p:cTn id="164" fill="hold">
                             <p:stCondLst>
                               <p:cond delay="0"/>
                             </p:stCondLst>
                             <p:childTnLst>
                               <p:par>
-                                <p:cTn id="157" presetID="42" presetClass="entr" presetSubtype="0" fill="hold" nodeType="clickEffect">
+                                <p:cTn id="165" presetID="42" presetClass="entr" presetSubtype="0" fill="hold" nodeType="clickEffect">
                                   <p:stCondLst>
                                     <p:cond delay="0"/>
                                   </p:stCondLst>
                                   <p:childTnLst>
                                     <p:set>
                                       <p:cBhvr>
-                                        <p:cTn id="158" dur="1" fill="hold">
+                                        <p:cTn id="166" dur="1" fill="hold">
                                           <p:stCondLst>
                                             <p:cond delay="0"/>
                                           </p:stCondLst>
@@ -36252,7 +36518,7 @@
                                     </p:set>
                                     <p:animEffect transition="in" filter="fade">
                                       <p:cBhvr>
-                                        <p:cTn id="159" dur="1000"/>
+                                        <p:cTn id="167" dur="1000"/>
                                         <p:tgtEl>
                                           <p:spTgt spid="61"/>
                                         </p:tgtEl>
@@ -36260,7 +36526,7 @@
                                     </p:animEffect>
                                     <p:anim calcmode="lin" valueType="num">
                                       <p:cBhvr>
-                                        <p:cTn id="160" dur="1000" fill="hold"/>
+                                        <p:cTn id="168" dur="1000" fill="hold"/>
                                         <p:tgtEl>
                                           <p:spTgt spid="61"/>
                                         </p:tgtEl>
@@ -36283,7 +36549,7 @@
                                     </p:anim>
                                     <p:anim calcmode="lin" valueType="num">
                                       <p:cBhvr>
-                                        <p:cTn id="161" dur="1000" fill="hold"/>
+                                        <p:cTn id="169" dur="1000" fill="hold"/>
                                         <p:tgtEl>
                                           <p:spTgt spid="61"/>
                                         </p:tgtEl>
@@ -36350,6 +36616,8 @@
       <p:bldP spid="55" grpId="1"/>
       <p:bldP spid="58" grpId="0"/>
       <p:bldP spid="58" grpId="1"/>
+      <p:bldP spid="3" grpId="0"/>
+      <p:bldP spid="11" grpId="0"/>
     </p:bldLst>
   </p:timing>
 </p:sld>
@@ -41396,6 +41664,189 @@
           </a:graphicData>
         </a:graphic>
       </p:graphicFrame>
+      <p:pic>
+        <p:nvPicPr>
+          <p:cNvPr id="5" name="Immagine 4" descr="Immagine che contiene schermata&#10;&#10;Descrizione generata automaticamente">
+            <a:extLst>
+              <a:ext uri="{FF2B5EF4-FFF2-40B4-BE49-F238E27FC236}">
+                <a16:creationId xmlns:a16="http://schemas.microsoft.com/office/drawing/2014/main" id="{DF5158E4-1836-F3A5-D54E-C7C4E6857CD6}"/>
+              </a:ext>
+            </a:extLst>
+          </p:cNvPr>
+          <p:cNvPicPr>
+            <a:picLocks noChangeAspect="1"/>
+          </p:cNvPicPr>
+          <p:nvPr/>
+        </p:nvPicPr>
+        <p:blipFill>
+          <a:blip r:embed="rId5" cstate="print">
+            <a:extLst>
+              <a:ext uri="{28A0092B-C50C-407E-A947-70E740481C1C}">
+                <a14:useLocalDpi xmlns:a14="http://schemas.microsoft.com/office/drawing/2010/main" val="0"/>
+              </a:ext>
+            </a:extLst>
+          </a:blip>
+          <a:stretch>
+            <a:fillRect/>
+          </a:stretch>
+        </p:blipFill>
+        <p:spPr>
+          <a:xfrm>
+            <a:off x="1945958" y="3365205"/>
+            <a:ext cx="442482" cy="442482"/>
+          </a:xfrm>
+          <a:prstGeom prst="rect">
+            <a:avLst/>
+          </a:prstGeom>
+        </p:spPr>
+      </p:pic>
+      <p:cxnSp>
+        <p:nvCxnSpPr>
+          <p:cNvPr id="22" name="Connettore 2 21">
+            <a:extLst>
+              <a:ext uri="{FF2B5EF4-FFF2-40B4-BE49-F238E27FC236}">
+                <a16:creationId xmlns:a16="http://schemas.microsoft.com/office/drawing/2014/main" id="{1438A23F-3331-64B1-0123-371DE250C8B4}"/>
+              </a:ext>
+            </a:extLst>
+          </p:cNvPr>
+          <p:cNvCxnSpPr/>
+          <p:nvPr/>
+        </p:nvCxnSpPr>
+        <p:spPr>
+          <a:xfrm flipH="1">
+            <a:off x="2483768" y="3097685"/>
+            <a:ext cx="2569041" cy="488761"/>
+          </a:xfrm>
+          <a:prstGeom prst="straightConnector1">
+            <a:avLst/>
+          </a:prstGeom>
+          <a:ln>
+            <a:tailEnd type="triangle"/>
+          </a:ln>
+        </p:spPr>
+        <p:style>
+          <a:lnRef idx="1">
+            <a:schemeClr val="accent1"/>
+          </a:lnRef>
+          <a:fillRef idx="0">
+            <a:schemeClr val="accent1"/>
+          </a:fillRef>
+          <a:effectRef idx="1">
+            <a:schemeClr val="accent1"/>
+          </a:effectRef>
+          <a:fontRef idx="minor">
+            <a:schemeClr val="tx1"/>
+          </a:fontRef>
+        </p:style>
+      </p:cxnSp>
+      <p:sp>
+        <p:nvSpPr>
+          <p:cNvPr id="25" name="CasellaDiTesto 24">
+            <a:extLst>
+              <a:ext uri="{FF2B5EF4-FFF2-40B4-BE49-F238E27FC236}">
+                <a16:creationId xmlns:a16="http://schemas.microsoft.com/office/drawing/2014/main" id="{35506462-D50E-2902-AC6F-498F8CA5D114}"/>
+              </a:ext>
+            </a:extLst>
+          </p:cNvPr>
+          <p:cNvSpPr txBox="1"/>
+          <p:nvPr/>
+        </p:nvSpPr>
+        <p:spPr>
+          <a:xfrm>
+            <a:off x="2754261" y="3183401"/>
+            <a:ext cx="1303415" cy="329242"/>
+          </a:xfrm>
+          <a:prstGeom prst="rect">
+            <a:avLst/>
+          </a:prstGeom>
+        </p:spPr>
+        <p:txBody>
+          <a:bodyPr vert="horz" wrap="square" lIns="91440" tIns="45720" rIns="91440" bIns="45720" rtlCol="0" anchor="ctr">
+            <a:noAutofit/>
+          </a:bodyPr>
+          <a:lstStyle/>
+          <a:p>
+            <a:r>
+              <a:rPr lang="it-IT" sz="900" dirty="0">
+                <a:uFillTx/>
+              </a:rPr>
+              <a:t>Sto uscendo dalla rete</a:t>
+            </a:r>
+          </a:p>
+        </p:txBody>
+      </p:sp>
+      <p:sp>
+        <p:nvSpPr>
+          <p:cNvPr id="29" name="CasellaDiTesto 28">
+            <a:extLst>
+              <a:ext uri="{FF2B5EF4-FFF2-40B4-BE49-F238E27FC236}">
+                <a16:creationId xmlns:a16="http://schemas.microsoft.com/office/drawing/2014/main" id="{33A458F0-F7C6-23C9-35BD-81E77AF24039}"/>
+              </a:ext>
+            </a:extLst>
+          </p:cNvPr>
+          <p:cNvSpPr txBox="1"/>
+          <p:nvPr/>
+        </p:nvSpPr>
+        <p:spPr>
+          <a:xfrm>
+            <a:off x="1259632" y="3108571"/>
+            <a:ext cx="936104" cy="183259"/>
+          </a:xfrm>
+          <a:prstGeom prst="rect">
+            <a:avLst/>
+          </a:prstGeom>
+        </p:spPr>
+        <p:txBody>
+          <a:bodyPr vert="horz" wrap="square" lIns="91440" tIns="45720" rIns="91440" bIns="45720" rtlCol="0" anchor="ctr">
+            <a:noAutofit/>
+          </a:bodyPr>
+          <a:lstStyle/>
+          <a:p>
+            <a:r>
+              <a:rPr lang="it-IT" sz="900" dirty="0">
+                <a:uFillTx/>
+              </a:rPr>
+              <a:t>Nodi 0, 1, 3, 6</a:t>
+            </a:r>
+          </a:p>
+        </p:txBody>
+      </p:sp>
+      <p:sp>
+        <p:nvSpPr>
+          <p:cNvPr id="30" name="CasellaDiTesto 29">
+            <a:extLst>
+              <a:ext uri="{FF2B5EF4-FFF2-40B4-BE49-F238E27FC236}">
+                <a16:creationId xmlns:a16="http://schemas.microsoft.com/office/drawing/2014/main" id="{52166D98-C51D-B55A-4842-77664821A5AB}"/>
+              </a:ext>
+            </a:extLst>
+          </p:cNvPr>
+          <p:cNvSpPr txBox="1"/>
+          <p:nvPr/>
+        </p:nvSpPr>
+        <p:spPr>
+          <a:xfrm>
+            <a:off x="1259189" y="3271452"/>
+            <a:ext cx="936104" cy="183259"/>
+          </a:xfrm>
+          <a:prstGeom prst="rect">
+            <a:avLst/>
+          </a:prstGeom>
+        </p:spPr>
+        <p:txBody>
+          <a:bodyPr vert="horz" wrap="square" lIns="91440" tIns="45720" rIns="91440" bIns="45720" rtlCol="0" anchor="ctr">
+            <a:noAutofit/>
+          </a:bodyPr>
+          <a:lstStyle/>
+          <a:p>
+            <a:r>
+              <a:rPr lang="it-IT" sz="900" dirty="0">
+                <a:uFillTx/>
+              </a:rPr>
+              <a:t>Nodi 0, 1, 3</a:t>
+            </a:r>
+          </a:p>
+        </p:txBody>
+      </p:sp>
     </p:spTree>
     <p:extLst>
       <p:ext uri="{BB962C8B-B14F-4D97-AF65-F5344CB8AC3E}">
@@ -41787,14 +42238,194 @@
                             </p:stCondLst>
                             <p:childTnLst>
                               <p:par>
-                                <p:cTn id="29" presetID="10" presetClass="exit" presetSubtype="0" fill="hold" nodeType="clickEffect">
+                                <p:cTn id="29" presetID="42" presetClass="entr" presetSubtype="0" fill="hold" nodeType="clickEffect">
+                                  <p:stCondLst>
+                                    <p:cond delay="0"/>
+                                  </p:stCondLst>
+                                  <p:childTnLst>
+                                    <p:set>
+                                      <p:cBhvr>
+                                        <p:cTn id="30" dur="1" fill="hold">
+                                          <p:stCondLst>
+                                            <p:cond delay="0"/>
+                                          </p:stCondLst>
+                                        </p:cTn>
+                                        <p:tgtEl>
+                                          <p:spTgt spid="22"/>
+                                        </p:tgtEl>
+                                        <p:attrNameLst>
+                                          <p:attrName>style.visibility</p:attrName>
+                                        </p:attrNameLst>
+                                      </p:cBhvr>
+                                      <p:to>
+                                        <p:strVal val="visible"/>
+                                      </p:to>
+                                    </p:set>
+                                    <p:animEffect transition="in" filter="fade">
+                                      <p:cBhvr>
+                                        <p:cTn id="31" dur="1000"/>
+                                        <p:tgtEl>
+                                          <p:spTgt spid="22"/>
+                                        </p:tgtEl>
+                                      </p:cBhvr>
+                                    </p:animEffect>
+                                    <p:anim calcmode="lin" valueType="num">
+                                      <p:cBhvr>
+                                        <p:cTn id="32" dur="1000" fill="hold"/>
+                                        <p:tgtEl>
+                                          <p:spTgt spid="22"/>
+                                        </p:tgtEl>
+                                        <p:attrNameLst>
+                                          <p:attrName>ppt_x</p:attrName>
+                                        </p:attrNameLst>
+                                      </p:cBhvr>
+                                      <p:tavLst>
+                                        <p:tav tm="0">
+                                          <p:val>
+                                            <p:strVal val="#ppt_x"/>
+                                          </p:val>
+                                        </p:tav>
+                                        <p:tav tm="100000">
+                                          <p:val>
+                                            <p:strVal val="#ppt_x"/>
+                                          </p:val>
+                                        </p:tav>
+                                      </p:tavLst>
+                                    </p:anim>
+                                    <p:anim calcmode="lin" valueType="num">
+                                      <p:cBhvr>
+                                        <p:cTn id="33" dur="1000" fill="hold"/>
+                                        <p:tgtEl>
+                                          <p:spTgt spid="22"/>
+                                        </p:tgtEl>
+                                        <p:attrNameLst>
+                                          <p:attrName>ppt_y</p:attrName>
+                                        </p:attrNameLst>
+                                      </p:cBhvr>
+                                      <p:tavLst>
+                                        <p:tav tm="0">
+                                          <p:val>
+                                            <p:strVal val="#ppt_y+.1"/>
+                                          </p:val>
+                                        </p:tav>
+                                        <p:tav tm="100000">
+                                          <p:val>
+                                            <p:strVal val="#ppt_y"/>
+                                          </p:val>
+                                        </p:tav>
+                                      </p:tavLst>
+                                    </p:anim>
+                                  </p:childTnLst>
+                                </p:cTn>
+                              </p:par>
+                              <p:par>
+                                <p:cTn id="34" presetID="42" presetClass="entr" presetSubtype="0" fill="hold" grpId="0" nodeType="withEffect">
+                                  <p:stCondLst>
+                                    <p:cond delay="0"/>
+                                  </p:stCondLst>
+                                  <p:childTnLst>
+                                    <p:set>
+                                      <p:cBhvr>
+                                        <p:cTn id="35" dur="1" fill="hold">
+                                          <p:stCondLst>
+                                            <p:cond delay="0"/>
+                                          </p:stCondLst>
+                                        </p:cTn>
+                                        <p:tgtEl>
+                                          <p:spTgt spid="25"/>
+                                        </p:tgtEl>
+                                        <p:attrNameLst>
+                                          <p:attrName>style.visibility</p:attrName>
+                                        </p:attrNameLst>
+                                      </p:cBhvr>
+                                      <p:to>
+                                        <p:strVal val="visible"/>
+                                      </p:to>
+                                    </p:set>
+                                    <p:animEffect transition="in" filter="fade">
+                                      <p:cBhvr>
+                                        <p:cTn id="36" dur="1000"/>
+                                        <p:tgtEl>
+                                          <p:spTgt spid="25"/>
+                                        </p:tgtEl>
+                                      </p:cBhvr>
+                                    </p:animEffect>
+                                    <p:anim calcmode="lin" valueType="num">
+                                      <p:cBhvr>
+                                        <p:cTn id="37" dur="1000" fill="hold"/>
+                                        <p:tgtEl>
+                                          <p:spTgt spid="25"/>
+                                        </p:tgtEl>
+                                        <p:attrNameLst>
+                                          <p:attrName>ppt_x</p:attrName>
+                                        </p:attrNameLst>
+                                      </p:cBhvr>
+                                      <p:tavLst>
+                                        <p:tav tm="0">
+                                          <p:val>
+                                            <p:strVal val="#ppt_x"/>
+                                          </p:val>
+                                        </p:tav>
+                                        <p:tav tm="100000">
+                                          <p:val>
+                                            <p:strVal val="#ppt_x"/>
+                                          </p:val>
+                                        </p:tav>
+                                      </p:tavLst>
+                                    </p:anim>
+                                    <p:anim calcmode="lin" valueType="num">
+                                      <p:cBhvr>
+                                        <p:cTn id="38" dur="1000" fill="hold"/>
+                                        <p:tgtEl>
+                                          <p:spTgt spid="25"/>
+                                        </p:tgtEl>
+                                        <p:attrNameLst>
+                                          <p:attrName>ppt_y</p:attrName>
+                                        </p:attrNameLst>
+                                      </p:cBhvr>
+                                      <p:tavLst>
+                                        <p:tav tm="0">
+                                          <p:val>
+                                            <p:strVal val="#ppt_y+.1"/>
+                                          </p:val>
+                                        </p:tav>
+                                        <p:tav tm="100000">
+                                          <p:val>
+                                            <p:strVal val="#ppt_y"/>
+                                          </p:val>
+                                        </p:tav>
+                                      </p:tavLst>
+                                    </p:anim>
+                                  </p:childTnLst>
+                                </p:cTn>
+                              </p:par>
+                            </p:childTnLst>
+                          </p:cTn>
+                        </p:par>
+                      </p:childTnLst>
+                    </p:cTn>
+                  </p:par>
+                  <p:par>
+                    <p:cTn id="39" fill="hold">
+                      <p:stCondLst>
+                        <p:cond delay="indefinite"/>
+                      </p:stCondLst>
+                      <p:childTnLst>
+                        <p:par>
+                          <p:cTn id="40" fill="hold">
+                            <p:stCondLst>
+                              <p:cond delay="0"/>
+                            </p:stCondLst>
+                            <p:childTnLst>
+                              <p:par>
+                                <p:cTn id="41" presetID="10" presetClass="exit" presetSubtype="0" fill="hold" nodeType="clickEffect">
                                   <p:stCondLst>
                                     <p:cond delay="0"/>
                                   </p:stCondLst>
                                   <p:childTnLst>
                                     <p:animEffect transition="out" filter="fade">
                                       <p:cBhvr>
-                                        <p:cTn id="30" dur="500"/>
+                                        <p:cTn id="42" dur="500"/>
                                         <p:tgtEl>
                                           <p:spTgt spid="23"/>
                                         </p:tgtEl>
@@ -41802,7 +42433,7 @@
                                     </p:animEffect>
                                     <p:set>
                                       <p:cBhvr>
-                                        <p:cTn id="31" dur="1" fill="hold">
+                                        <p:cTn id="43" dur="1" fill="hold">
                                           <p:stCondLst>
                                             <p:cond delay="499"/>
                                           </p:stCondLst>
@@ -41822,14 +42453,14 @@
                                 </p:cTn>
                               </p:par>
                               <p:par>
-                                <p:cTn id="32" presetID="10" presetClass="exit" presetSubtype="0" fill="hold" nodeType="withEffect">
+                                <p:cTn id="44" presetID="10" presetClass="exit" presetSubtype="0" fill="hold" nodeType="withEffect">
                                   <p:stCondLst>
                                     <p:cond delay="0"/>
                                   </p:stCondLst>
                                   <p:childTnLst>
                                     <p:animEffect transition="out" filter="fade">
                                       <p:cBhvr>
-                                        <p:cTn id="33" dur="500"/>
+                                        <p:cTn id="45" dur="500"/>
                                         <p:tgtEl>
                                           <p:spTgt spid="26"/>
                                         </p:tgtEl>
@@ -41837,7 +42468,7 @@
                                     </p:animEffect>
                                     <p:set>
                                       <p:cBhvr>
-                                        <p:cTn id="34" dur="1" fill="hold">
+                                        <p:cTn id="46" dur="1" fill="hold">
                                           <p:stCondLst>
                                             <p:cond delay="499"/>
                                           </p:stCondLst>
@@ -41857,14 +42488,14 @@
                                 </p:cTn>
                               </p:par>
                               <p:par>
-                                <p:cTn id="35" presetID="10" presetClass="exit" presetSubtype="0" fill="hold" nodeType="withEffect">
+                                <p:cTn id="47" presetID="10" presetClass="exit" presetSubtype="0" fill="hold" nodeType="withEffect">
                                   <p:stCondLst>
                                     <p:cond delay="0"/>
                                   </p:stCondLst>
                                   <p:childTnLst>
                                     <p:animEffect transition="out" filter="fade">
                                       <p:cBhvr>
-                                        <p:cTn id="36" dur="500"/>
+                                        <p:cTn id="48" dur="500"/>
                                         <p:tgtEl>
                                           <p:spTgt spid="19"/>
                                         </p:tgtEl>
@@ -41872,7 +42503,7 @@
                                     </p:animEffect>
                                     <p:set>
                                       <p:cBhvr>
-                                        <p:cTn id="37" dur="1" fill="hold">
+                                        <p:cTn id="49" dur="1" fill="hold">
                                           <p:stCondLst>
                                             <p:cond delay="499"/>
                                           </p:stCondLst>
@@ -41892,14 +42523,14 @@
                                 </p:cTn>
                               </p:par>
                               <p:par>
-                                <p:cTn id="38" presetID="10" presetClass="exit" presetSubtype="0" fill="hold" nodeType="withEffect">
+                                <p:cTn id="50" presetID="10" presetClass="exit" presetSubtype="0" fill="hold" nodeType="withEffect">
                                   <p:stCondLst>
                                     <p:cond delay="0"/>
                                   </p:stCondLst>
                                   <p:childTnLst>
                                     <p:animEffect transition="out" filter="fade">
                                       <p:cBhvr>
-                                        <p:cTn id="39" dur="500"/>
+                                        <p:cTn id="51" dur="500"/>
                                         <p:tgtEl>
                                           <p:spTgt spid="11"/>
                                         </p:tgtEl>
@@ -41907,7 +42538,7 @@
                                     </p:animEffect>
                                     <p:set>
                                       <p:cBhvr>
-                                        <p:cTn id="40" dur="1" fill="hold">
+                                        <p:cTn id="52" dur="1" fill="hold">
                                           <p:stCondLst>
                                             <p:cond delay="499"/>
                                           </p:stCondLst>
@@ -41927,14 +42558,14 @@
                                 </p:cTn>
                               </p:par>
                               <p:par>
-                                <p:cTn id="41" presetID="10" presetClass="exit" presetSubtype="0" fill="hold" nodeType="withEffect">
+                                <p:cTn id="53" presetID="10" presetClass="exit" presetSubtype="0" fill="hold" nodeType="withEffect">
                                   <p:stCondLst>
                                     <p:cond delay="0"/>
                                   </p:stCondLst>
                                   <p:childTnLst>
                                     <p:animEffect transition="out" filter="fade">
                                       <p:cBhvr>
-                                        <p:cTn id="42" dur="500"/>
+                                        <p:cTn id="54" dur="500"/>
                                         <p:tgtEl>
                                           <p:spTgt spid="18"/>
                                         </p:tgtEl>
@@ -41942,7 +42573,7 @@
                                     </p:animEffect>
                                     <p:set>
                                       <p:cBhvr>
-                                        <p:cTn id="43" dur="1" fill="hold">
+                                        <p:cTn id="55" dur="1" fill="hold">
                                           <p:stCondLst>
                                             <p:cond delay="499"/>
                                           </p:stCondLst>
@@ -41962,14 +42593,14 @@
                                 </p:cTn>
                               </p:par>
                               <p:par>
-                                <p:cTn id="44" presetID="10" presetClass="exit" presetSubtype="0" fill="hold" grpId="1" nodeType="withEffect">
+                                <p:cTn id="56" presetID="10" presetClass="exit" presetSubtype="0" fill="hold" grpId="1" nodeType="withEffect">
                                   <p:stCondLst>
                                     <p:cond delay="0"/>
                                   </p:stCondLst>
                                   <p:childTnLst>
                                     <p:animEffect transition="out" filter="fade">
                                       <p:cBhvr>
-                                        <p:cTn id="45" dur="500"/>
+                                        <p:cTn id="57" dur="500"/>
                                         <p:tgtEl>
                                           <p:spTgt spid="24"/>
                                         </p:tgtEl>
@@ -41977,7 +42608,7 @@
                                     </p:animEffect>
                                     <p:set>
                                       <p:cBhvr>
-                                        <p:cTn id="46" dur="1" fill="hold">
+                                        <p:cTn id="58" dur="1" fill="hold">
                                           <p:stCondLst>
                                             <p:cond delay="499"/>
                                           </p:stCondLst>
@@ -41997,14 +42628,14 @@
                                 </p:cTn>
                               </p:par>
                               <p:par>
-                                <p:cTn id="47" presetID="10" presetClass="exit" presetSubtype="0" fill="hold" grpId="1" nodeType="withEffect">
+                                <p:cTn id="59" presetID="10" presetClass="exit" presetSubtype="0" fill="hold" grpId="1" nodeType="withEffect">
                                   <p:stCondLst>
                                     <p:cond delay="0"/>
                                   </p:stCondLst>
                                   <p:childTnLst>
                                     <p:animEffect transition="out" filter="fade">
                                       <p:cBhvr>
-                                        <p:cTn id="48" dur="500"/>
+                                        <p:cTn id="60" dur="500"/>
                                         <p:tgtEl>
                                           <p:spTgt spid="27"/>
                                         </p:tgtEl>
@@ -42012,7 +42643,7 @@
                                     </p:animEffect>
                                     <p:set>
                                       <p:cBhvr>
-                                        <p:cTn id="49" dur="1" fill="hold">
+                                        <p:cTn id="61" dur="1" fill="hold">
                                           <p:stCondLst>
                                             <p:cond delay="499"/>
                                           </p:stCondLst>
@@ -42031,6 +42662,192 @@
                                   </p:childTnLst>
                                 </p:cTn>
                               </p:par>
+                              <p:par>
+                                <p:cTn id="62" presetID="10" presetClass="exit" presetSubtype="0" fill="hold" nodeType="withEffect">
+                                  <p:stCondLst>
+                                    <p:cond delay="0"/>
+                                  </p:stCondLst>
+                                  <p:childTnLst>
+                                    <p:animEffect transition="out" filter="fade">
+                                      <p:cBhvr>
+                                        <p:cTn id="63" dur="500"/>
+                                        <p:tgtEl>
+                                          <p:spTgt spid="22"/>
+                                        </p:tgtEl>
+                                      </p:cBhvr>
+                                    </p:animEffect>
+                                    <p:set>
+                                      <p:cBhvr>
+                                        <p:cTn id="64" dur="1" fill="hold">
+                                          <p:stCondLst>
+                                            <p:cond delay="499"/>
+                                          </p:stCondLst>
+                                        </p:cTn>
+                                        <p:tgtEl>
+                                          <p:spTgt spid="22"/>
+                                        </p:tgtEl>
+                                        <p:attrNameLst>
+                                          <p:attrName>style.visibility</p:attrName>
+                                        </p:attrNameLst>
+                                      </p:cBhvr>
+                                      <p:to>
+                                        <p:strVal val="hidden"/>
+                                      </p:to>
+                                    </p:set>
+                                  </p:childTnLst>
+                                </p:cTn>
+                              </p:par>
+                              <p:par>
+                                <p:cTn id="65" presetID="10" presetClass="exit" presetSubtype="0" fill="hold" grpId="1" nodeType="withEffect">
+                                  <p:stCondLst>
+                                    <p:cond delay="0"/>
+                                  </p:stCondLst>
+                                  <p:childTnLst>
+                                    <p:animEffect transition="out" filter="fade">
+                                      <p:cBhvr>
+                                        <p:cTn id="66" dur="500"/>
+                                        <p:tgtEl>
+                                          <p:spTgt spid="25"/>
+                                        </p:tgtEl>
+                                      </p:cBhvr>
+                                    </p:animEffect>
+                                    <p:set>
+                                      <p:cBhvr>
+                                        <p:cTn id="67" dur="1" fill="hold">
+                                          <p:stCondLst>
+                                            <p:cond delay="499"/>
+                                          </p:stCondLst>
+                                        </p:cTn>
+                                        <p:tgtEl>
+                                          <p:spTgt spid="25"/>
+                                        </p:tgtEl>
+                                        <p:attrNameLst>
+                                          <p:attrName>style.visibility</p:attrName>
+                                        </p:attrNameLst>
+                                      </p:cBhvr>
+                                      <p:to>
+                                        <p:strVal val="hidden"/>
+                                      </p:to>
+                                    </p:set>
+                                  </p:childTnLst>
+                                </p:cTn>
+                              </p:par>
+                              <p:par>
+                                <p:cTn id="68" presetID="10" presetClass="exit" presetSubtype="0" fill="hold" grpId="0" nodeType="withEffect">
+                                  <p:stCondLst>
+                                    <p:cond delay="0"/>
+                                  </p:stCondLst>
+                                  <p:childTnLst>
+                                    <p:animEffect transition="out" filter="fade">
+                                      <p:cBhvr>
+                                        <p:cTn id="69" dur="500"/>
+                                        <p:tgtEl>
+                                          <p:spTgt spid="29"/>
+                                        </p:tgtEl>
+                                      </p:cBhvr>
+                                    </p:animEffect>
+                                    <p:set>
+                                      <p:cBhvr>
+                                        <p:cTn id="70" dur="1" fill="hold">
+                                          <p:stCondLst>
+                                            <p:cond delay="499"/>
+                                          </p:stCondLst>
+                                        </p:cTn>
+                                        <p:tgtEl>
+                                          <p:spTgt spid="29"/>
+                                        </p:tgtEl>
+                                        <p:attrNameLst>
+                                          <p:attrName>style.visibility</p:attrName>
+                                        </p:attrNameLst>
+                                      </p:cBhvr>
+                                      <p:to>
+                                        <p:strVal val="hidden"/>
+                                      </p:to>
+                                    </p:set>
+                                  </p:childTnLst>
+                                </p:cTn>
+                              </p:par>
+                              <p:par>
+                                <p:cTn id="71" presetID="42" presetClass="entr" presetSubtype="0" fill="hold" grpId="0" nodeType="withEffect">
+                                  <p:stCondLst>
+                                    <p:cond delay="0"/>
+                                  </p:stCondLst>
+                                  <p:childTnLst>
+                                    <p:set>
+                                      <p:cBhvr>
+                                        <p:cTn id="72" dur="1" fill="hold">
+                                          <p:stCondLst>
+                                            <p:cond delay="0"/>
+                                          </p:stCondLst>
+                                        </p:cTn>
+                                        <p:tgtEl>
+                                          <p:spTgt spid="30"/>
+                                        </p:tgtEl>
+                                        <p:attrNameLst>
+                                          <p:attrName>style.visibility</p:attrName>
+                                        </p:attrNameLst>
+                                      </p:cBhvr>
+                                      <p:to>
+                                        <p:strVal val="visible"/>
+                                      </p:to>
+                                    </p:set>
+                                    <p:animEffect transition="in" filter="fade">
+                                      <p:cBhvr>
+                                        <p:cTn id="73" dur="1000"/>
+                                        <p:tgtEl>
+                                          <p:spTgt spid="30"/>
+                                        </p:tgtEl>
+                                      </p:cBhvr>
+                                    </p:animEffect>
+                                    <p:anim calcmode="lin" valueType="num">
+                                      <p:cBhvr>
+                                        <p:cTn id="74" dur="1000" fill="hold"/>
+                                        <p:tgtEl>
+                                          <p:spTgt spid="30"/>
+                                        </p:tgtEl>
+                                        <p:attrNameLst>
+                                          <p:attrName>ppt_x</p:attrName>
+                                        </p:attrNameLst>
+                                      </p:cBhvr>
+                                      <p:tavLst>
+                                        <p:tav tm="0">
+                                          <p:val>
+                                            <p:strVal val="#ppt_x"/>
+                                          </p:val>
+                                        </p:tav>
+                                        <p:tav tm="100000">
+                                          <p:val>
+                                            <p:strVal val="#ppt_x"/>
+                                          </p:val>
+                                        </p:tav>
+                                      </p:tavLst>
+                                    </p:anim>
+                                    <p:anim calcmode="lin" valueType="num">
+                                      <p:cBhvr>
+                                        <p:cTn id="75" dur="1000" fill="hold"/>
+                                        <p:tgtEl>
+                                          <p:spTgt spid="30"/>
+                                        </p:tgtEl>
+                                        <p:attrNameLst>
+                                          <p:attrName>ppt_y</p:attrName>
+                                        </p:attrNameLst>
+                                      </p:cBhvr>
+                                      <p:tavLst>
+                                        <p:tav tm="0">
+                                          <p:val>
+                                            <p:strVal val="#ppt_y+.1"/>
+                                          </p:val>
+                                        </p:tav>
+                                        <p:tav tm="100000">
+                                          <p:val>
+                                            <p:strVal val="#ppt_y"/>
+                                          </p:val>
+                                        </p:tav>
+                                      </p:tavLst>
+                                    </p:anim>
+                                  </p:childTnLst>
+                                </p:cTn>
+                              </p:par>
                             </p:childTnLst>
                           </p:cTn>
                         </p:par>
@@ -42038,26 +42855,26 @@
                     </p:cTn>
                   </p:par>
                   <p:par>
-                    <p:cTn id="50" fill="hold">
+                    <p:cTn id="76" fill="hold">
                       <p:stCondLst>
                         <p:cond delay="indefinite"/>
                       </p:stCondLst>
                       <p:childTnLst>
                         <p:par>
-                          <p:cTn id="51" fill="hold">
+                          <p:cTn id="77" fill="hold">
                             <p:stCondLst>
                               <p:cond delay="0"/>
                             </p:stCondLst>
                             <p:childTnLst>
                               <p:par>
-                                <p:cTn id="52" presetID="42" presetClass="entr" presetSubtype="0" fill="hold" nodeType="clickEffect">
+                                <p:cTn id="78" presetID="42" presetClass="entr" presetSubtype="0" fill="hold" nodeType="clickEffect">
                                   <p:stCondLst>
                                     <p:cond delay="0"/>
                                   </p:stCondLst>
                                   <p:childTnLst>
                                     <p:set>
                                       <p:cBhvr>
-                                        <p:cTn id="53" dur="1" fill="hold">
+                                        <p:cTn id="79" dur="1" fill="hold">
                                           <p:stCondLst>
                                             <p:cond delay="0"/>
                                           </p:stCondLst>
@@ -42075,7 +42892,7 @@
                                     </p:set>
                                     <p:animEffect transition="in" filter="fade">
                                       <p:cBhvr>
-                                        <p:cTn id="54" dur="1000"/>
+                                        <p:cTn id="80" dur="1000"/>
                                         <p:tgtEl>
                                           <p:spTgt spid="35"/>
                                         </p:tgtEl>
@@ -42083,7 +42900,7 @@
                                     </p:animEffect>
                                     <p:anim calcmode="lin" valueType="num">
                                       <p:cBhvr>
-                                        <p:cTn id="55" dur="1000" fill="hold"/>
+                                        <p:cTn id="81" dur="1000" fill="hold"/>
                                         <p:tgtEl>
                                           <p:spTgt spid="35"/>
                                         </p:tgtEl>
@@ -42106,7 +42923,7 @@
                                     </p:anim>
                                     <p:anim calcmode="lin" valueType="num">
                                       <p:cBhvr>
-                                        <p:cTn id="56" dur="1000" fill="hold"/>
+                                        <p:cTn id="82" dur="1000" fill="hold"/>
                                         <p:tgtEl>
                                           <p:spTgt spid="35"/>
                                         </p:tgtEl>
@@ -42162,6 +42979,10 @@
       <p:bldP spid="24" grpId="1"/>
       <p:bldP spid="27" grpId="0"/>
       <p:bldP spid="27" grpId="1"/>
+      <p:bldP spid="25" grpId="0"/>
+      <p:bldP spid="25" grpId="1"/>
+      <p:bldP spid="29" grpId="0"/>
+      <p:bldP spid="30" grpId="0"/>
     </p:bldLst>
   </p:timing>
 </p:sld>

--- a/Documentazione/Presentazione/Slide_MicheleTosi_chord.pptx
+++ b/Documentazione/Presentazione/Slide_MicheleTosi_chord.pptx
@@ -236,7 +236,7 @@
   <pc:docChgLst>
     <pc:chgData name="michele tosi" userId="ca9cfff2-f6e5-4350-acb0-74e073d002cd" providerId="ADAL" clId="{4DD164D1-E452-4DF3-BC4A-9877495181B9}"/>
     <pc:docChg chg="custSel modSld modMainMaster">
-      <pc:chgData name="michele tosi" userId="ca9cfff2-f6e5-4350-acb0-74e073d002cd" providerId="ADAL" clId="{4DD164D1-E452-4DF3-BC4A-9877495181B9}" dt="2023-10-09T15:02:34.912" v="98"/>
+      <pc:chgData name="michele tosi" userId="ca9cfff2-f6e5-4350-acb0-74e073d002cd" providerId="ADAL" clId="{4DD164D1-E452-4DF3-BC4A-9877495181B9}" dt="2023-10-09T15:07:33.076" v="107" actId="20577"/>
       <pc:docMkLst>
         <pc:docMk/>
       </pc:docMkLst>
@@ -260,6 +260,21 @@
             <pc:docMk/>
             <pc:sldMk cId="1485078367" sldId="281"/>
             <ac:spMk id="22" creationId="{147D9E01-A9EB-68A4-9FC1-F05D6028124D}"/>
+          </ac:spMkLst>
+        </pc:spChg>
+      </pc:sldChg>
+      <pc:sldChg chg="modSp mod">
+        <pc:chgData name="michele tosi" userId="ca9cfff2-f6e5-4350-acb0-74e073d002cd" providerId="ADAL" clId="{4DD164D1-E452-4DF3-BC4A-9877495181B9}" dt="2023-10-09T15:07:33.076" v="107" actId="20577"/>
+        <pc:sldMkLst>
+          <pc:docMk/>
+          <pc:sldMk cId="3487855506" sldId="301"/>
+        </pc:sldMkLst>
+        <pc:spChg chg="mod">
+          <ac:chgData name="michele tosi" userId="ca9cfff2-f6e5-4350-acb0-74e073d002cd" providerId="ADAL" clId="{4DD164D1-E452-4DF3-BC4A-9877495181B9}" dt="2023-10-09T15:07:33.076" v="107" actId="20577"/>
+          <ac:spMkLst>
+            <pc:docMk/>
+            <pc:sldMk cId="3487855506" sldId="301"/>
+            <ac:spMk id="3" creationId="{F0FE79BF-73ED-FE93-0798-4B384FA1EBC1}"/>
           </ac:spMkLst>
         </pc:spChg>
       </pc:sldChg>
@@ -27920,8 +27935,8 @@
           </a:p>
         </p:txBody>
       </p:sp>
-      <mc:AlternateContent xmlns:mc="http://schemas.openxmlformats.org/markup-compatibility/2006" xmlns:a14="http://schemas.microsoft.com/office/drawing/2010/main">
-        <mc:Choice Requires="a14">
+      <mc:AlternateContent xmlns:mc="http://schemas.openxmlformats.org/markup-compatibility/2006">
+        <mc:Choice xmlns:a14="http://schemas.microsoft.com/office/drawing/2010/main" Requires="a14">
           <p:sp>
             <p:nvSpPr>
               <p:cNvPr id="3" name="Segnaposto contenuto 2">
@@ -27971,8 +27986,13 @@
                 </a:pPr>
                 <a:r>
                   <a:rPr lang="it-IT" sz="1600" dirty="0"/>
-                  <a:t>Ha ‘‘m’’ righe (m=numero di bit).</a:t>
+                  <a:t>Ha ‘‘m’’ righe (m=numero di </a:t>
                 </a:r>
+                <a:r>
+                  <a:rPr lang="it-IT" sz="1600"/>
+                  <a:t>bit degli ID).</a:t>
+                </a:r>
+                <a:endParaRPr lang="it-IT" sz="1600" dirty="0"/>
               </a:p>
               <a:p>
                 <a:pPr marL="285750" indent="-285750">
@@ -28198,7 +28218,7 @@
             </p:txBody>
           </p:sp>
         </mc:Choice>
-        <mc:Fallback xmlns="">
+        <mc:Fallback>
           <p:sp>
             <p:nvSpPr>
               <p:cNvPr id="3" name="Segnaposto contenuto 2">
